--- a/2019系统仿真-9-一阶反馈系统.pptx
+++ b/2019系统仿真-9-一阶反馈系统.pptx
@@ -5,33 +5,35 @@
     <p:sldMasterId id="2147483648" r:id="rId8"/>
   </p:sldMasterIdLst>
   <p:notesMasterIdLst>
-    <p:notesMasterId r:id="rId30"/>
+    <p:notesMasterId r:id="rId32"/>
   </p:notesMasterIdLst>
   <p:handoutMasterIdLst>
-    <p:handoutMasterId r:id="rId31"/>
+    <p:handoutMasterId r:id="rId33"/>
   </p:handoutMasterIdLst>
   <p:sldIdLst>
     <p:sldId id="256" r:id="rId9"/>
     <p:sldId id="257" r:id="rId10"/>
-    <p:sldId id="258" r:id="rId11"/>
-    <p:sldId id="262" r:id="rId12"/>
-    <p:sldId id="263" r:id="rId13"/>
-    <p:sldId id="259" r:id="rId14"/>
-    <p:sldId id="271" r:id="rId15"/>
-    <p:sldId id="270" r:id="rId16"/>
-    <p:sldId id="274" r:id="rId17"/>
-    <p:sldId id="267" r:id="rId18"/>
-    <p:sldId id="260" r:id="rId19"/>
-    <p:sldId id="265" r:id="rId20"/>
-    <p:sldId id="268" r:id="rId21"/>
-    <p:sldId id="269" r:id="rId22"/>
-    <p:sldId id="272" r:id="rId23"/>
-    <p:sldId id="273" r:id="rId24"/>
-    <p:sldId id="277" r:id="rId25"/>
-    <p:sldId id="261" r:id="rId26"/>
-    <p:sldId id="276" r:id="rId27"/>
-    <p:sldId id="266" r:id="rId28"/>
-    <p:sldId id="275" r:id="rId29"/>
+    <p:sldId id="279" r:id="rId11"/>
+    <p:sldId id="278" r:id="rId12"/>
+    <p:sldId id="258" r:id="rId13"/>
+    <p:sldId id="262" r:id="rId14"/>
+    <p:sldId id="263" r:id="rId15"/>
+    <p:sldId id="259" r:id="rId16"/>
+    <p:sldId id="271" r:id="rId17"/>
+    <p:sldId id="270" r:id="rId18"/>
+    <p:sldId id="274" r:id="rId19"/>
+    <p:sldId id="267" r:id="rId20"/>
+    <p:sldId id="260" r:id="rId21"/>
+    <p:sldId id="265" r:id="rId22"/>
+    <p:sldId id="268" r:id="rId23"/>
+    <p:sldId id="269" r:id="rId24"/>
+    <p:sldId id="272" r:id="rId25"/>
+    <p:sldId id="273" r:id="rId26"/>
+    <p:sldId id="277" r:id="rId27"/>
+    <p:sldId id="261" r:id="rId28"/>
+    <p:sldId id="276" r:id="rId29"/>
+    <p:sldId id="266" r:id="rId30"/>
+    <p:sldId id="275" r:id="rId31"/>
   </p:sldIdLst>
   <p:sldSz cx="12188825" cy="6858000"/>
   <p:notesSz cx="6858000" cy="9144000"/>
@@ -258,7 +260,7 @@
                 <a:latin typeface="微软雅黑" panose="020B0503020204020204" pitchFamily="34" charset="-122"/>
                 <a:ea typeface="微软雅黑" panose="020B0503020204020204" pitchFamily="34" charset="-122"/>
               </a:rPr>
-              <a:t>2019年4月11日 Thursday</a:t>
+              <a:t>2019年4月12日 Friday</a:t>
             </a:fld>
             <a:endParaRPr lang="zh-CN" altLang="en-US" dirty="0">
               <a:latin typeface="微软雅黑" panose="020B0503020204020204" pitchFamily="34" charset="-122"/>
@@ -450,7 +452,7 @@
             <a:fld id="{07D6BDDC-F39A-4E16-93D6-E40B88AA6D58}" type="datetime2">
               <a:rPr lang="zh-CN" altLang="en-US" smtClean="0"/>
               <a:pPr/>
-              <a:t>2019年4月11日 Thursday</a:t>
+              <a:t>2019年4月12日 Friday</a:t>
             </a:fld>
             <a:endParaRPr lang="zh-CN" altLang="en-US" dirty="0"/>
           </a:p>
@@ -1768,7 +1770,7 @@
             <a:fld id="{4947C3F0-2957-4D41-9FB7-182757A04D67}" type="datetime2">
               <a:rPr lang="zh-CN" altLang="en-US" smtClean="0"/>
               <a:pPr/>
-              <a:t>2019年4月11日 Thursday</a:t>
+              <a:t>2019年4月12日 Friday</a:t>
             </a:fld>
             <a:endParaRPr lang="zh-CN" altLang="en-US" dirty="0"/>
           </a:p>
@@ -2001,7 +2003,7 @@
             <a:fld id="{8DF8E148-EC1F-43A2-8C9E-1F57F6D08A76}" type="datetime2">
               <a:rPr lang="zh-CN" altLang="en-US" smtClean="0"/>
               <a:pPr/>
-              <a:t>2019年4月11日 Thursday</a:t>
+              <a:t>2019年4月12日 Friday</a:t>
             </a:fld>
             <a:endParaRPr lang="zh-CN" altLang="en-US" dirty="0"/>
           </a:p>
@@ -2884,7 +2886,7 @@
             <a:fld id="{FB7B4C11-1E14-4887-9E78-A9346EC068F1}" type="datetime2">
               <a:rPr lang="zh-CN" altLang="en-US" smtClean="0"/>
               <a:pPr/>
-              <a:t>2019年4月11日 Thursday</a:t>
+              <a:t>2019年4月12日 Friday</a:t>
             </a:fld>
             <a:endParaRPr lang="zh-CN" altLang="en-US" dirty="0"/>
           </a:p>
@@ -3143,7 +3145,7 @@
             <a:fld id="{86FD5D46-E987-42B2-B42C-B8920598FADE}" type="datetime2">
               <a:rPr lang="zh-CN" altLang="en-US" smtClean="0"/>
               <a:pPr/>
-              <a:t>2019年4月11日 Thursday</a:t>
+              <a:t>2019年4月12日 Friday</a:t>
             </a:fld>
             <a:endParaRPr lang="zh-CN" altLang="en-US" dirty="0"/>
           </a:p>
@@ -4470,7 +4472,7 @@
             <a:fld id="{8365F240-A7EF-41C8-A85B-C448CF84B5E5}" type="datetime2">
               <a:rPr lang="zh-CN" altLang="en-US" smtClean="0"/>
               <a:pPr/>
-              <a:t>2019年4月11日 Thursday</a:t>
+              <a:t>2019年4月12日 Friday</a:t>
             </a:fld>
             <a:endParaRPr lang="zh-CN" altLang="en-US" dirty="0"/>
           </a:p>
@@ -4805,7 +4807,7 @@
             <a:fld id="{F770B30E-8728-44DB-AEE3-E4A75AEDBBD9}" type="datetime2">
               <a:rPr lang="zh-CN" altLang="en-US" smtClean="0"/>
               <a:pPr/>
-              <a:t>2019年4月11日 Thursday</a:t>
+              <a:t>2019年4月12日 Friday</a:t>
             </a:fld>
             <a:endParaRPr lang="zh-CN" altLang="en-US" dirty="0"/>
           </a:p>
@@ -5306,7 +5308,7 @@
             <a:fld id="{680BCF82-A51A-4389-A573-378AD02C5141}" type="datetime2">
               <a:rPr lang="zh-CN" altLang="en-US" smtClean="0"/>
               <a:pPr/>
-              <a:t>2019年4月11日 Thursday</a:t>
+              <a:t>2019年4月12日 Friday</a:t>
             </a:fld>
             <a:endParaRPr lang="zh-CN" altLang="en-US" dirty="0"/>
           </a:p>
@@ -5461,7 +5463,7 @@
             <a:fld id="{CE03A716-E3DC-4D9D-823C-60FCD8C9B163}" type="datetime2">
               <a:rPr lang="zh-CN" altLang="en-US" smtClean="0"/>
               <a:pPr/>
-              <a:t>2019年4月11日 Thursday</a:t>
+              <a:t>2019年4月12日 Friday</a:t>
             </a:fld>
             <a:endParaRPr lang="zh-CN" altLang="en-US" dirty="0"/>
           </a:p>
@@ -5821,7 +5823,7 @@
             <a:fld id="{C16B8A94-44E5-4844-A22C-F796FCAA90D9}" type="datetime2">
               <a:rPr lang="zh-CN" altLang="en-US" smtClean="0"/>
               <a:pPr/>
-              <a:t>2019年4月11日 Thursday</a:t>
+              <a:t>2019年4月12日 Friday</a:t>
             </a:fld>
             <a:endParaRPr lang="zh-CN" altLang="en-US" dirty="0"/>
           </a:p>
@@ -6363,7 +6365,7 @@
             <a:fld id="{F288B2AC-AC0A-4E49-82A3-94EE74FA7FBF}" type="datetime2">
               <a:rPr lang="zh-CN" altLang="en-US" smtClean="0"/>
               <a:pPr/>
-              <a:t>2019年4月11日 Thursday</a:t>
+              <a:t>2019年4月12日 Friday</a:t>
             </a:fld>
             <a:endParaRPr lang="zh-CN" altLang="en-US" dirty="0"/>
           </a:p>
@@ -6849,7 +6851,7 @@
             <a:fld id="{1878E339-1BD2-4FEE-A113-9A0301740CF6}" type="datetime2">
               <a:rPr lang="zh-CN" altLang="en-US" smtClean="0"/>
               <a:pPr/>
-              <a:t>2019年4月11日 Thursday</a:t>
+              <a:t>2019年4月12日 Friday</a:t>
             </a:fld>
             <a:endParaRPr lang="zh-CN" altLang="en-US" dirty="0"/>
           </a:p>
@@ -7773,7 +7775,7 @@
             <a:fld id="{A339CB27-C670-4AAB-948C-7E3D1D9FAE30}" type="datetime2">
               <a:rPr lang="zh-CN" altLang="en-US" smtClean="0"/>
               <a:pPr/>
-              <a:t>2019年4月11日 Thursday</a:t>
+              <a:t>2019年4月12日 Friday</a:t>
             </a:fld>
             <a:endParaRPr lang="zh-CN" altLang="en-US" dirty="0"/>
           </a:p>
@@ -8326,7 +8328,7 @@
           <a:p>
             <a:r>
               <a:rPr lang="zh-CN" altLang="en-US" dirty="0"/>
-              <a:t>库存调整分析</a:t>
+              <a:t>二、一阶负反馈结构</a:t>
             </a:r>
           </a:p>
         </p:txBody>
@@ -8341,45 +8343,38 @@
             <p:ph idx="1"/>
           </p:nvPr>
         </p:nvSpPr>
-        <p:spPr>
-          <a:xfrm>
-            <a:off x="1593437" y="1600200"/>
-            <a:ext cx="5509088" cy="4572000"/>
-          </a:xfrm>
-        </p:spPr>
+        <p:spPr/>
         <p:txBody>
           <a:bodyPr/>
           <a:lstStyle/>
           <a:p>
-            <a:pPr marL="0" indent="0">
-              <a:buNone/>
-            </a:pPr>
             <a:r>
               <a:rPr lang="zh-CN" altLang="en-US" dirty="0"/>
-              <a:t>右图给出了某库存管理系统的因果分析图，尝试从图中读出系统运作的原理，作出系统流图。</a:t>
-            </a:r>
-          </a:p>
-          <a:p>
-            <a:pPr marL="0" indent="0">
-              <a:buNone/>
-            </a:pPr>
-            <a:endParaRPr lang="zh-CN" altLang="en-US" dirty="0"/>
-          </a:p>
-          <a:p>
-            <a:pPr marL="0" indent="0">
-              <a:buNone/>
-            </a:pPr>
+              <a:t>负反馈结构</a:t>
+            </a:r>
+            <a:endParaRPr lang="en-US" altLang="zh-CN" dirty="0"/>
+          </a:p>
+          <a:p>
+            <a:pPr lvl="1"/>
             <a:r>
               <a:rPr lang="zh-CN" altLang="en-US" dirty="0"/>
-              <a:t>某仓库设有一个期望库存，当库存存量与期望存量有差距时就启动进货程序，但每次进货都依据将计划分成</a:t>
-            </a:r>
-            <a:r>
-              <a:rPr lang="en-US" altLang="zh-CN" dirty="0"/>
-              <a:t>n</a:t>
-            </a:r>
+              <a:t>隔离法（开环分析）：传导回来的反馈被弱化</a:t>
+            </a:r>
+            <a:endParaRPr lang="en-US" altLang="zh-CN" dirty="0"/>
+          </a:p>
+          <a:p>
+            <a:pPr lvl="1"/>
             <a:r>
               <a:rPr lang="zh-CN" altLang="en-US" dirty="0"/>
-              <a:t>天的任务量。</a:t>
+              <a:t>反馈回路呈现趋向平衡点的变化</a:t>
+            </a:r>
+            <a:endParaRPr lang="en-US" altLang="zh-CN" dirty="0"/>
+          </a:p>
+          <a:p>
+            <a:pPr lvl="1"/>
+            <a:r>
+              <a:rPr lang="zh-CN" altLang="en-US" dirty="0"/>
+              <a:t>指数的变化路径</a:t>
             </a:r>
           </a:p>
         </p:txBody>
@@ -8400,18 +8395,95 @@
         </p:blipFill>
         <p:spPr>
           <a:xfrm>
-            <a:off x="7102525" y="1109245"/>
-            <a:ext cx="5668369" cy="2831384"/>
+            <a:off x="7918025" y="4187124"/>
+            <a:ext cx="3974232" cy="2649488"/>
           </a:xfrm>
           <a:prstGeom prst="rect">
             <a:avLst/>
           </a:prstGeom>
         </p:spPr>
       </p:pic>
+      <p:pic>
+        <p:nvPicPr>
+          <p:cNvPr id="5" name="图片 4"/>
+          <p:cNvPicPr>
+            <a:picLocks noChangeAspect="1"/>
+          </p:cNvPicPr>
+          <p:nvPr/>
+        </p:nvPicPr>
+        <p:blipFill>
+          <a:blip r:embed="rId3"/>
+          <a:stretch>
+            <a:fillRect/>
+          </a:stretch>
+        </p:blipFill>
+        <p:spPr>
+          <a:xfrm>
+            <a:off x="8110636" y="2075683"/>
+            <a:ext cx="3781621" cy="2365920"/>
+          </a:xfrm>
+          <a:prstGeom prst="rect">
+            <a:avLst/>
+          </a:prstGeom>
+        </p:spPr>
+      </p:pic>
+      <p:pic>
+        <p:nvPicPr>
+          <p:cNvPr id="7" name="图片 6"/>
+          <p:cNvPicPr>
+            <a:picLocks noChangeAspect="1"/>
+          </p:cNvPicPr>
+          <p:nvPr/>
+        </p:nvPicPr>
+        <p:blipFill>
+          <a:blip r:embed="rId4"/>
+          <a:stretch>
+            <a:fillRect/>
+          </a:stretch>
+        </p:blipFill>
+        <p:spPr>
+          <a:xfrm>
+            <a:off x="8284865" y="107706"/>
+            <a:ext cx="3349382" cy="1876696"/>
+          </a:xfrm>
+          <a:prstGeom prst="rect">
+            <a:avLst/>
+          </a:prstGeom>
+        </p:spPr>
+      </p:pic>
+      <p:sp>
+        <p:nvSpPr>
+          <p:cNvPr id="6" name="文本框 5"/>
+          <p:cNvSpPr txBox="1"/>
+          <p:nvPr/>
+        </p:nvSpPr>
+        <p:spPr>
+          <a:xfrm>
+            <a:off x="5014292" y="5301208"/>
+            <a:ext cx="2492990" cy="369332"/>
+          </a:xfrm>
+          <a:prstGeom prst="rect">
+            <a:avLst/>
+          </a:prstGeom>
+          <a:noFill/>
+        </p:spPr>
+        <p:txBody>
+          <a:bodyPr wrap="none" rtlCol="0">
+            <a:spAutoFit/>
+          </a:bodyPr>
+          <a:lstStyle/>
+          <a:p>
+            <a:r>
+              <a:rPr lang="zh-CN" altLang="en-US" dirty="0"/>
+              <a:t>对比正反馈的变化趋势</a:t>
+            </a:r>
+          </a:p>
+        </p:txBody>
+      </p:sp>
     </p:spTree>
     <p:extLst>
       <p:ext uri="{BB962C8B-B14F-4D97-AF65-F5344CB8AC3E}">
-        <p14:creationId xmlns:p14="http://schemas.microsoft.com/office/powerpoint/2010/main" val="3411147419"/>
+        <p14:creationId xmlns:p14="http://schemas.microsoft.com/office/powerpoint/2010/main" val="2745715488"/>
       </p:ext>
     </p:extLst>
   </p:cSld>
@@ -8467,7 +8539,7 @@
           <a:p>
             <a:r>
               <a:rPr lang="zh-CN" altLang="en-US" dirty="0"/>
-              <a:t>案例（负反馈）</a:t>
+              <a:t>库存调整</a:t>
             </a:r>
           </a:p>
         </p:txBody>
@@ -8482,38 +8554,22 @@
             <p:ph idx="1"/>
           </p:nvPr>
         </p:nvSpPr>
-        <p:spPr>
-          <a:xfrm>
-            <a:off x="1593437" y="2204864"/>
-            <a:ext cx="6013144" cy="3967336"/>
-          </a:xfrm>
-        </p:spPr>
+        <p:spPr/>
         <p:txBody>
           <a:bodyPr/>
           <a:lstStyle/>
           <a:p>
-            <a:pPr marL="0" indent="0">
-              <a:buNone/>
-            </a:pPr>
             <a:r>
               <a:rPr lang="zh-CN" altLang="en-US" dirty="0"/>
-              <a:t>右上是系统模型的流图，原库存存量设为</a:t>
+              <a:t>已知一库存系统，当前库存量为</a:t>
             </a:r>
             <a:r>
               <a:rPr lang="en-US" altLang="zh-CN" dirty="0"/>
-              <a:t>0</a:t>
+              <a:t>2000</a:t>
             </a:r>
             <a:r>
               <a:rPr lang="zh-CN" altLang="en-US" dirty="0"/>
-              <a:t>，调整时间设为</a:t>
-            </a:r>
-            <a:r>
-              <a:rPr lang="en-US" altLang="zh-CN" dirty="0"/>
-              <a:t>3</a:t>
-            </a:r>
-            <a:r>
-              <a:rPr lang="zh-CN" altLang="en-US" dirty="0"/>
-              <a:t>，期望库存设为</a:t>
+              <a:t>件，期望库存量为</a:t>
             </a:r>
             <a:r>
               <a:rPr lang="en-US" altLang="zh-CN" dirty="0"/>
@@ -8521,82 +8577,15 @@
             </a:r>
             <a:r>
               <a:rPr lang="zh-CN" altLang="en-US" dirty="0"/>
-              <a:t>。</a:t>
-            </a:r>
-          </a:p>
-          <a:p>
-            <a:pPr marL="0" indent="0">
-              <a:buNone/>
-            </a:pPr>
-            <a:r>
-              <a:rPr lang="zh-CN" altLang="en-US" dirty="0"/>
-              <a:t>观察存量变化规律</a:t>
-            </a:r>
-            <a:endParaRPr lang="en-US" altLang="zh-CN" dirty="0"/>
-          </a:p>
-          <a:p>
-            <a:pPr marL="0" indent="0">
-              <a:buNone/>
-            </a:pPr>
-            <a:r>
-              <a:rPr lang="zh-CN" altLang="en-US" dirty="0"/>
-              <a:t>改变库存调整时间的大小，观察</a:t>
-            </a:r>
-          </a:p>
-        </p:txBody>
-      </p:sp>
-      <p:pic>
-        <p:nvPicPr>
-          <p:cNvPr id="4" name="图片 3"/>
-          <p:cNvPicPr>
-            <a:picLocks noChangeAspect="1"/>
-          </p:cNvPicPr>
-          <p:nvPr/>
-        </p:nvPicPr>
-        <p:blipFill>
-          <a:blip r:embed="rId2"/>
-          <a:stretch>
-            <a:fillRect/>
-          </a:stretch>
-        </p:blipFill>
-        <p:spPr>
-          <a:xfrm>
-            <a:off x="7438926" y="3845869"/>
-            <a:ext cx="4749899" cy="3012131"/>
-          </a:xfrm>
-          <a:prstGeom prst="rect">
-            <a:avLst/>
-          </a:prstGeom>
-        </p:spPr>
-      </p:pic>
-      <p:pic>
-        <p:nvPicPr>
-          <p:cNvPr id="5" name="图片 4"/>
-          <p:cNvPicPr>
-            <a:picLocks noChangeAspect="1"/>
-          </p:cNvPicPr>
-          <p:nvPr/>
-        </p:nvPicPr>
-        <p:blipFill>
-          <a:blip r:embed="rId3"/>
-          <a:stretch>
-            <a:fillRect/>
-          </a:stretch>
-        </p:blipFill>
-        <p:spPr>
-          <a:xfrm>
-            <a:off x="6484836" y="87710"/>
-            <a:ext cx="5688632" cy="2659854"/>
-          </a:xfrm>
-          <a:prstGeom prst="rect">
-            <a:avLst/>
-          </a:prstGeom>
-        </p:spPr>
-      </p:pic>
+              <a:t>件，每周向供应商订货一次，计划用五周时间调整到期望库存</a:t>
+            </a:r>
+          </a:p>
+        </p:txBody>
+      </p:sp>
     </p:spTree>
     <p:extLst>
       <p:ext uri="{BB962C8B-B14F-4D97-AF65-F5344CB8AC3E}">
-        <p14:creationId xmlns:p14="http://schemas.microsoft.com/office/powerpoint/2010/main" val="46134527"/>
+        <p14:creationId xmlns:p14="http://schemas.microsoft.com/office/powerpoint/2010/main" val="2742774935"/>
       </p:ext>
     </p:extLst>
   </p:cSld>
@@ -8652,7 +8641,7 @@
           <a:p>
             <a:r>
               <a:rPr lang="zh-CN" altLang="en-US" dirty="0"/>
-              <a:t>负反馈的一般结构</a:t>
+              <a:t>库存调整分析</a:t>
             </a:r>
           </a:p>
         </p:txBody>
@@ -8670,60 +8659,49 @@
         <p:spPr>
           <a:xfrm>
             <a:off x="1593437" y="1600200"/>
-            <a:ext cx="5293064" cy="4572000"/>
+            <a:ext cx="5509088" cy="4572000"/>
           </a:xfrm>
         </p:spPr>
         <p:txBody>
           <a:bodyPr/>
           <a:lstStyle/>
           <a:p>
+            <a:pPr marL="0" indent="0">
+              <a:buNone/>
+            </a:pPr>
             <a:r>
               <a:rPr lang="zh-CN" altLang="en-US" dirty="0"/>
-              <a:t>负反馈结构是平衡型系统，基本结构包括以下四块</a:t>
-            </a:r>
-            <a:endParaRPr lang="en-US" altLang="zh-CN" dirty="0"/>
-          </a:p>
-          <a:p>
-            <a:pPr lvl="1"/>
+              <a:t>右图给出了某库存管理系统的因果分析图，尝试从图中读出系统运作的原理，作出系统流图。</a:t>
+            </a:r>
+          </a:p>
+          <a:p>
+            <a:pPr marL="0" indent="0">
+              <a:buNone/>
+            </a:pPr>
+            <a:endParaRPr lang="zh-CN" altLang="en-US" dirty="0"/>
+          </a:p>
+          <a:p>
+            <a:pPr marL="0" indent="0">
+              <a:buNone/>
+            </a:pPr>
             <a:r>
               <a:rPr lang="zh-CN" altLang="en-US" dirty="0"/>
-              <a:t>存量</a:t>
-            </a:r>
-            <a:endParaRPr lang="en-US" altLang="zh-CN" dirty="0"/>
-          </a:p>
-          <a:p>
-            <a:pPr lvl="1"/>
+              <a:t>某仓库设有一个期望库存，当库存存量与期望存量有差距时就启动进货程序，但每次进货都依据将计划分成</a:t>
+            </a:r>
+            <a:r>
+              <a:rPr lang="en-US" altLang="zh-CN" dirty="0"/>
+              <a:t>n</a:t>
+            </a:r>
             <a:r>
               <a:rPr lang="zh-CN" altLang="en-US" dirty="0"/>
-              <a:t>目标</a:t>
-            </a:r>
-            <a:endParaRPr lang="en-US" altLang="zh-CN" dirty="0"/>
-          </a:p>
-          <a:p>
-            <a:pPr lvl="1"/>
-            <a:r>
-              <a:rPr lang="zh-CN" altLang="en-US" dirty="0"/>
-              <a:t>偏差</a:t>
-            </a:r>
-            <a:endParaRPr lang="en-US" altLang="zh-CN" dirty="0"/>
-          </a:p>
-          <a:p>
-            <a:pPr lvl="1"/>
-            <a:r>
-              <a:rPr lang="zh-CN" altLang="en-US" dirty="0"/>
-              <a:t>矫正速率</a:t>
-            </a:r>
-            <a:endParaRPr lang="en-US" altLang="zh-CN" dirty="0"/>
-          </a:p>
-          <a:p>
-            <a:pPr lvl="1"/>
-            <a:endParaRPr lang="zh-CN" altLang="en-US" dirty="0"/>
+              <a:t>天的任务量。</a:t>
+            </a:r>
           </a:p>
         </p:txBody>
       </p:sp>
       <p:pic>
         <p:nvPicPr>
-          <p:cNvPr id="5" name="图片 4"/>
+          <p:cNvPr id="4" name="图片 3"/>
           <p:cNvPicPr>
             <a:picLocks noChangeAspect="1"/>
           </p:cNvPicPr>
@@ -8737,8 +8715,8 @@
         </p:blipFill>
         <p:spPr>
           <a:xfrm>
-            <a:off x="6670476" y="151099"/>
-            <a:ext cx="5126761" cy="3408961"/>
+            <a:off x="7102525" y="1109245"/>
+            <a:ext cx="5668369" cy="2831384"/>
           </a:xfrm>
           <a:prstGeom prst="rect">
             <a:avLst/>
@@ -8748,7 +8726,7 @@
     </p:spTree>
     <p:extLst>
       <p:ext uri="{BB962C8B-B14F-4D97-AF65-F5344CB8AC3E}">
-        <p14:creationId xmlns:p14="http://schemas.microsoft.com/office/powerpoint/2010/main" val="999405427"/>
+        <p14:creationId xmlns:p14="http://schemas.microsoft.com/office/powerpoint/2010/main" val="3411147419"/>
       </p:ext>
     </p:extLst>
   </p:cSld>
@@ -8804,7 +8782,7 @@
           <a:p>
             <a:r>
               <a:rPr lang="zh-CN" altLang="en-US" dirty="0"/>
-              <a:t>三、负反馈系统的流量控制</a:t>
+              <a:t>案例（负反馈）</a:t>
             </a:r>
           </a:p>
         </p:txBody>
@@ -8821,59 +8799,70 @@
         </p:nvSpPr>
         <p:spPr>
           <a:xfrm>
-            <a:off x="1573195" y="2259301"/>
-            <a:ext cx="10034353" cy="2259344"/>
-          </a:xfrm>
-        </p:spPr>
-        <p:txBody>
-          <a:bodyPr>
-            <a:normAutofit/>
-          </a:bodyPr>
+            <a:off x="1593437" y="2204864"/>
+            <a:ext cx="6013144" cy="3967336"/>
+          </a:xfrm>
+        </p:spPr>
+        <p:txBody>
+          <a:bodyPr/>
           <a:lstStyle/>
-          <a:p>
-            <a:r>
-              <a:rPr lang="zh-CN" altLang="en-US" sz="2400" dirty="0"/>
-              <a:t>基本反馈回路作为系统结构的一部分出现</a:t>
-            </a:r>
-            <a:endParaRPr lang="en-US" altLang="zh-CN" sz="2400" dirty="0"/>
-          </a:p>
-          <a:p>
-            <a:r>
-              <a:rPr lang="zh-CN" altLang="en-US" sz="2400" dirty="0"/>
-              <a:t>存量表现出更为复杂的结果形式</a:t>
-            </a:r>
-            <a:endParaRPr lang="en-US" altLang="zh-CN" sz="2400" dirty="0"/>
-          </a:p>
           <a:p>
             <a:pPr marL="0" indent="0">
               <a:buNone/>
             </a:pPr>
             <a:r>
-              <a:rPr lang="zh-CN" altLang="en-US" sz="2400" dirty="0"/>
-              <a:t>库存调整：在库存调整系统当中加入销售部分，销售部分的速率用测试函数</a:t>
-            </a:r>
-            <a:r>
-              <a:rPr lang="en-US" altLang="zh-CN" sz="2400" dirty="0"/>
-              <a:t>STEP</a:t>
-            </a:r>
-            <a:r>
-              <a:rPr lang="zh-CN" altLang="en-US" sz="2400" dirty="0"/>
-              <a:t>（</a:t>
-            </a:r>
-            <a:r>
-              <a:rPr lang="en-US" altLang="zh-CN" sz="2400" dirty="0"/>
-              <a:t>200,15</a:t>
-            </a:r>
-            <a:r>
-              <a:rPr lang="zh-CN" altLang="en-US" sz="2400" dirty="0"/>
-              <a:t>）来做参数</a:t>
+              <a:rPr lang="zh-CN" altLang="en-US" dirty="0"/>
+              <a:t>右上是系统模型的流图，原库存存量设为</a:t>
+            </a:r>
+            <a:r>
+              <a:rPr lang="en-US" altLang="zh-CN" dirty="0"/>
+              <a:t>0</a:t>
+            </a:r>
+            <a:r>
+              <a:rPr lang="zh-CN" altLang="en-US" dirty="0"/>
+              <a:t>，调整时间设为</a:t>
+            </a:r>
+            <a:r>
+              <a:rPr lang="en-US" altLang="zh-CN" dirty="0"/>
+              <a:t>3</a:t>
+            </a:r>
+            <a:r>
+              <a:rPr lang="zh-CN" altLang="en-US" dirty="0"/>
+              <a:t>，期望库存设为</a:t>
+            </a:r>
+            <a:r>
+              <a:rPr lang="en-US" altLang="zh-CN" dirty="0"/>
+              <a:t>8000</a:t>
+            </a:r>
+            <a:r>
+              <a:rPr lang="zh-CN" altLang="en-US" dirty="0"/>
+              <a:t>。</a:t>
+            </a:r>
+          </a:p>
+          <a:p>
+            <a:pPr marL="0" indent="0">
+              <a:buNone/>
+            </a:pPr>
+            <a:r>
+              <a:rPr lang="zh-CN" altLang="en-US" dirty="0"/>
+              <a:t>观察存量变化规律</a:t>
+            </a:r>
+            <a:endParaRPr lang="en-US" altLang="zh-CN" dirty="0"/>
+          </a:p>
+          <a:p>
+            <a:pPr marL="0" indent="0">
+              <a:buNone/>
+            </a:pPr>
+            <a:r>
+              <a:rPr lang="zh-CN" altLang="en-US" dirty="0"/>
+              <a:t>改变库存调整时间的大小，观察</a:t>
             </a:r>
           </a:p>
         </p:txBody>
       </p:sp>
       <p:pic>
         <p:nvPicPr>
-          <p:cNvPr id="6" name="图片 5"/>
+          <p:cNvPr id="4" name="图片 3"/>
           <p:cNvPicPr>
             <a:picLocks noChangeAspect="1"/>
           </p:cNvPicPr>
@@ -8887,52 +8876,42 @@
         </p:blipFill>
         <p:spPr>
           <a:xfrm>
-            <a:off x="5734372" y="3429000"/>
-            <a:ext cx="5349268" cy="3101691"/>
+            <a:off x="7438926" y="3845869"/>
+            <a:ext cx="4749899" cy="3012131"/>
           </a:xfrm>
           <a:prstGeom prst="rect">
             <a:avLst/>
           </a:prstGeom>
         </p:spPr>
       </p:pic>
-      <p:sp>
-        <p:nvSpPr>
-          <p:cNvPr id="4" name="矩形 3">
-            <a:extLst>
-              <a:ext uri="{FF2B5EF4-FFF2-40B4-BE49-F238E27FC236}">
-                <a16:creationId xmlns:a16="http://schemas.microsoft.com/office/drawing/2014/main" id="{B94F5CE1-3CF5-D444-85B5-547681A02C57}"/>
-              </a:ext>
-            </a:extLst>
-          </p:cNvPr>
-          <p:cNvSpPr/>
+      <p:pic>
+        <p:nvPicPr>
+          <p:cNvPr id="5" name="图片 4"/>
+          <p:cNvPicPr>
+            <a:picLocks noChangeAspect="1"/>
+          </p:cNvPicPr>
           <p:nvPr/>
-        </p:nvSpPr>
+        </p:nvPicPr>
+        <p:blipFill>
+          <a:blip r:embed="rId3"/>
+          <a:stretch>
+            <a:fillRect/>
+          </a:stretch>
+        </p:blipFill>
         <p:spPr>
           <a:xfrm>
-            <a:off x="1573195" y="1579339"/>
-            <a:ext cx="6647974" cy="523220"/>
+            <a:off x="6484836" y="87710"/>
+            <a:ext cx="5688632" cy="2659854"/>
           </a:xfrm>
           <a:prstGeom prst="rect">
             <a:avLst/>
           </a:prstGeom>
         </p:spPr>
-        <p:txBody>
-          <a:bodyPr wrap="none">
-            <a:spAutoFit/>
-          </a:bodyPr>
-          <a:lstStyle/>
-          <a:p>
-            <a:r>
-              <a:rPr lang="zh-CN" altLang="en-US" sz="2800" dirty="0"/>
-              <a:t>案例：库存控制系统加入销售的库存调整</a:t>
-            </a:r>
-          </a:p>
-        </p:txBody>
-      </p:sp>
+      </p:pic>
     </p:spTree>
     <p:extLst>
       <p:ext uri="{BB962C8B-B14F-4D97-AF65-F5344CB8AC3E}">
-        <p14:creationId xmlns:p14="http://schemas.microsoft.com/office/powerpoint/2010/main" val="2044495519"/>
+        <p14:creationId xmlns:p14="http://schemas.microsoft.com/office/powerpoint/2010/main" val="46134527"/>
       </p:ext>
     </p:extLst>
   </p:cSld>
@@ -8988,7 +8967,7 @@
           <a:p>
             <a:r>
               <a:rPr lang="zh-CN" altLang="en-US" dirty="0"/>
-              <a:t>理解负反馈的增长方式</a:t>
+              <a:t>负反馈的一般结构</a:t>
             </a:r>
           </a:p>
         </p:txBody>
@@ -9003,15 +8982,57 @@
             <p:ph idx="1"/>
           </p:nvPr>
         </p:nvSpPr>
-        <p:spPr/>
+        <p:spPr>
+          <a:xfrm>
+            <a:off x="1593437" y="1600200"/>
+            <a:ext cx="5293064" cy="4572000"/>
+          </a:xfrm>
+        </p:spPr>
         <p:txBody>
           <a:bodyPr/>
           <a:lstStyle/>
           <a:p>
             <a:r>
               <a:rPr lang="zh-CN" altLang="en-US" dirty="0"/>
-              <a:t>补偿特性：负反馈系统具有当状态变量受外界输入（输出）速率作用时，仍然力图使状态变量趋于目标值的特性</a:t>
-            </a:r>
+              <a:t>负反馈结构是平衡型系统，基本结构包括以下四块</a:t>
+            </a:r>
+            <a:endParaRPr lang="en-US" altLang="zh-CN" dirty="0"/>
+          </a:p>
+          <a:p>
+            <a:pPr lvl="1"/>
+            <a:r>
+              <a:rPr lang="zh-CN" altLang="en-US" dirty="0"/>
+              <a:t>存量</a:t>
+            </a:r>
+            <a:endParaRPr lang="en-US" altLang="zh-CN" dirty="0"/>
+          </a:p>
+          <a:p>
+            <a:pPr lvl="1"/>
+            <a:r>
+              <a:rPr lang="zh-CN" altLang="en-US" dirty="0"/>
+              <a:t>目标</a:t>
+            </a:r>
+            <a:endParaRPr lang="en-US" altLang="zh-CN" dirty="0"/>
+          </a:p>
+          <a:p>
+            <a:pPr lvl="1"/>
+            <a:r>
+              <a:rPr lang="zh-CN" altLang="en-US" dirty="0"/>
+              <a:t>偏差</a:t>
+            </a:r>
+            <a:endParaRPr lang="en-US" altLang="zh-CN" dirty="0"/>
+          </a:p>
+          <a:p>
+            <a:pPr lvl="1"/>
+            <a:r>
+              <a:rPr lang="zh-CN" altLang="en-US" dirty="0"/>
+              <a:t>矫正速率</a:t>
+            </a:r>
+            <a:endParaRPr lang="en-US" altLang="zh-CN" dirty="0"/>
+          </a:p>
+          <a:p>
+            <a:pPr lvl="1"/>
+            <a:endParaRPr lang="zh-CN" altLang="en-US" dirty="0"/>
           </a:p>
         </p:txBody>
       </p:sp>
@@ -9031,32 +9052,8 @@
         </p:blipFill>
         <p:spPr>
           <a:xfrm>
-            <a:off x="7773711" y="3933056"/>
-            <a:ext cx="4387416" cy="2924944"/>
-          </a:xfrm>
-          <a:prstGeom prst="rect">
-            <a:avLst/>
-          </a:prstGeom>
-        </p:spPr>
-      </p:pic>
-      <p:pic>
-        <p:nvPicPr>
-          <p:cNvPr id="4" name="图片 3"/>
-          <p:cNvPicPr>
-            <a:picLocks noChangeAspect="1"/>
-          </p:cNvPicPr>
-          <p:nvPr/>
-        </p:nvPicPr>
-        <p:blipFill>
-          <a:blip r:embed="rId3"/>
-          <a:stretch>
-            <a:fillRect/>
-          </a:stretch>
-        </p:blipFill>
-        <p:spPr>
-          <a:xfrm>
-            <a:off x="1053852" y="2591096"/>
-            <a:ext cx="7460846" cy="2804432"/>
+            <a:off x="6670476" y="151099"/>
+            <a:ext cx="5126761" cy="3408961"/>
           </a:xfrm>
           <a:prstGeom prst="rect">
             <a:avLst/>
@@ -9066,7 +9063,7 @@
     </p:spTree>
     <p:extLst>
       <p:ext uri="{BB962C8B-B14F-4D97-AF65-F5344CB8AC3E}">
-        <p14:creationId xmlns:p14="http://schemas.microsoft.com/office/powerpoint/2010/main" val="3201046799"/>
+        <p14:creationId xmlns:p14="http://schemas.microsoft.com/office/powerpoint/2010/main" val="999405427"/>
       </p:ext>
     </p:extLst>
   </p:cSld>
@@ -9122,7 +9119,7 @@
           <a:p>
             <a:r>
               <a:rPr lang="zh-CN" altLang="en-US" dirty="0"/>
-              <a:t>“寻的” 行为的模式</a:t>
+              <a:t>三、负反馈系统的流量控制</a:t>
             </a:r>
           </a:p>
         </p:txBody>
@@ -9137,73 +9134,112 @@
             <p:ph idx="1"/>
           </p:nvPr>
         </p:nvSpPr>
-        <p:spPr/>
-        <p:txBody>
-          <a:bodyPr/>
+        <p:spPr>
+          <a:xfrm>
+            <a:off x="1573195" y="2259301"/>
+            <a:ext cx="10034353" cy="2259344"/>
+          </a:xfrm>
+        </p:spPr>
+        <p:txBody>
+          <a:bodyPr>
+            <a:normAutofit/>
+          </a:bodyPr>
           <a:lstStyle/>
           <a:p>
             <a:r>
-              <a:rPr lang="zh-CN" altLang="en-US" dirty="0"/>
-              <a:t>负反馈趋向于状态的平衡点发展</a:t>
-            </a:r>
-            <a:endParaRPr lang="en-US" altLang="zh-CN" dirty="0"/>
-          </a:p>
-          <a:p>
-            <a:pPr lvl="1"/>
-            <a:r>
-              <a:rPr lang="zh-CN" altLang="en-US" dirty="0"/>
-              <a:t>模式</a:t>
-            </a:r>
-            <a:r>
-              <a:rPr lang="en-US" altLang="zh-CN" dirty="0"/>
-              <a:t>1</a:t>
-            </a:r>
-            <a:r>
-              <a:rPr lang="zh-CN" altLang="en-US" dirty="0"/>
-              <a:t>：当状态为正数，差距为正时</a:t>
-            </a:r>
-            <a:endParaRPr lang="en-US" altLang="zh-CN" dirty="0"/>
-          </a:p>
-          <a:p>
-            <a:pPr lvl="1"/>
-            <a:r>
-              <a:rPr lang="zh-CN" altLang="en-US" dirty="0"/>
-              <a:t>模式</a:t>
-            </a:r>
-            <a:r>
-              <a:rPr lang="en-US" altLang="zh-CN" dirty="0"/>
-              <a:t>2</a:t>
-            </a:r>
-            <a:r>
-              <a:rPr lang="zh-CN" altLang="en-US" dirty="0"/>
-              <a:t>：当状态为正数，差距为负时</a:t>
-            </a:r>
-            <a:endParaRPr lang="en-US" altLang="zh-CN" dirty="0"/>
-          </a:p>
-          <a:p>
-            <a:pPr lvl="1"/>
-            <a:r>
-              <a:rPr lang="zh-CN" altLang="en-US" dirty="0"/>
-              <a:t>模式</a:t>
-            </a:r>
-            <a:r>
-              <a:rPr lang="en-US" altLang="zh-CN" dirty="0"/>
-              <a:t>3</a:t>
-            </a:r>
-            <a:r>
-              <a:rPr lang="zh-CN" altLang="en-US" dirty="0"/>
-              <a:t>：当状态为正数，差距为零时</a:t>
-            </a:r>
-            <a:endParaRPr lang="en-US" altLang="zh-CN" dirty="0"/>
-          </a:p>
-          <a:p>
-            <a:pPr lvl="1"/>
-            <a:endParaRPr lang="en-US" altLang="zh-CN" dirty="0"/>
-          </a:p>
-          <a:p>
-            <a:r>
-              <a:rPr lang="zh-CN" altLang="en-US" dirty="0"/>
-              <a:t>系统增长的动力来自哪里？</a:t>
+              <a:rPr lang="zh-CN" altLang="en-US" sz="2400" dirty="0"/>
+              <a:t>基本反馈回路作为系统结构的一部分出现</a:t>
+            </a:r>
+            <a:endParaRPr lang="en-US" altLang="zh-CN" sz="2400" dirty="0"/>
+          </a:p>
+          <a:p>
+            <a:r>
+              <a:rPr lang="zh-CN" altLang="en-US" sz="2400" dirty="0"/>
+              <a:t>存量表现出更为复杂的结果形式</a:t>
+            </a:r>
+            <a:endParaRPr lang="en-US" altLang="zh-CN" sz="2400" dirty="0"/>
+          </a:p>
+          <a:p>
+            <a:pPr marL="0" indent="0">
+              <a:buNone/>
+            </a:pPr>
+            <a:r>
+              <a:rPr lang="zh-CN" altLang="en-US" sz="2400" dirty="0"/>
+              <a:t>库存调整：在库存调整系统当中加入销售部分，销售部分的速率用测试函数</a:t>
+            </a:r>
+            <a:r>
+              <a:rPr lang="en-US" altLang="zh-CN" sz="2400" dirty="0"/>
+              <a:t>STEP</a:t>
+            </a:r>
+            <a:r>
+              <a:rPr lang="zh-CN" altLang="en-US" sz="2400" dirty="0"/>
+              <a:t>（</a:t>
+            </a:r>
+            <a:r>
+              <a:rPr lang="en-US" altLang="zh-CN" sz="2400" dirty="0"/>
+              <a:t>200,15</a:t>
+            </a:r>
+            <a:r>
+              <a:rPr lang="zh-CN" altLang="en-US" sz="2400" dirty="0"/>
+              <a:t>）来做参数</a:t>
+            </a:r>
+          </a:p>
+        </p:txBody>
+      </p:sp>
+      <p:pic>
+        <p:nvPicPr>
+          <p:cNvPr id="6" name="图片 5"/>
+          <p:cNvPicPr>
+            <a:picLocks noChangeAspect="1"/>
+          </p:cNvPicPr>
+          <p:nvPr/>
+        </p:nvPicPr>
+        <p:blipFill>
+          <a:blip r:embed="rId2"/>
+          <a:stretch>
+            <a:fillRect/>
+          </a:stretch>
+        </p:blipFill>
+        <p:spPr>
+          <a:xfrm>
+            <a:off x="5734372" y="3429000"/>
+            <a:ext cx="5349268" cy="3101691"/>
+          </a:xfrm>
+          <a:prstGeom prst="rect">
+            <a:avLst/>
+          </a:prstGeom>
+        </p:spPr>
+      </p:pic>
+      <p:sp>
+        <p:nvSpPr>
+          <p:cNvPr id="4" name="矩形 3">
+            <a:extLst>
+              <a:ext uri="{FF2B5EF4-FFF2-40B4-BE49-F238E27FC236}">
+                <a16:creationId xmlns:a16="http://schemas.microsoft.com/office/drawing/2014/main" id="{B94F5CE1-3CF5-D444-85B5-547681A02C57}"/>
+              </a:ext>
+            </a:extLst>
+          </p:cNvPr>
+          <p:cNvSpPr/>
+          <p:nvPr/>
+        </p:nvSpPr>
+        <p:spPr>
+          <a:xfrm>
+            <a:off x="1573195" y="1579339"/>
+            <a:ext cx="6647974" cy="523220"/>
+          </a:xfrm>
+          <a:prstGeom prst="rect">
+            <a:avLst/>
+          </a:prstGeom>
+        </p:spPr>
+        <p:txBody>
+          <a:bodyPr wrap="none">
+            <a:spAutoFit/>
+          </a:bodyPr>
+          <a:lstStyle/>
+          <a:p>
+            <a:r>
+              <a:rPr lang="zh-CN" altLang="en-US" sz="2800" dirty="0"/>
+              <a:t>案例：库存控制系统加入销售的库存调整</a:t>
             </a:r>
           </a:p>
         </p:txBody>
@@ -9211,7 +9247,7 @@
     </p:spTree>
     <p:extLst>
       <p:ext uri="{BB962C8B-B14F-4D97-AF65-F5344CB8AC3E}">
-        <p14:creationId xmlns:p14="http://schemas.microsoft.com/office/powerpoint/2010/main" val="1547966082"/>
+        <p14:creationId xmlns:p14="http://schemas.microsoft.com/office/powerpoint/2010/main" val="2044495519"/>
       </p:ext>
     </p:extLst>
   </p:cSld>
@@ -9267,7 +9303,7 @@
           <a:p>
             <a:r>
               <a:rPr lang="zh-CN" altLang="en-US" dirty="0"/>
-              <a:t>调节时间常数</a:t>
+              <a:t>理解负反馈的增长方式</a:t>
             </a:r>
           </a:p>
         </p:txBody>
@@ -9282,40 +9318,21 @@
             <p:ph idx="1"/>
           </p:nvPr>
         </p:nvSpPr>
-        <p:spPr>
-          <a:xfrm>
-            <a:off x="1593437" y="1600200"/>
-            <a:ext cx="6229168" cy="4572000"/>
-          </a:xfrm>
-        </p:spPr>
+        <p:spPr/>
         <p:txBody>
           <a:bodyPr/>
           <a:lstStyle/>
           <a:p>
             <a:r>
               <a:rPr lang="zh-CN" altLang="en-US" dirty="0"/>
-              <a:t>负反馈的时间常数调节系统对目标的反应快慢</a:t>
-            </a:r>
-            <a:endParaRPr lang="en-US" altLang="zh-CN" dirty="0"/>
-          </a:p>
-          <a:p>
-            <a:r>
-              <a:rPr lang="zh-CN" altLang="en-US" dirty="0"/>
-              <a:t>尝试调节右侧系统模型中的“库存调整时间”</a:t>
-            </a:r>
-            <a:endParaRPr lang="en-US" altLang="zh-CN" dirty="0"/>
-          </a:p>
-          <a:p>
-            <a:r>
-              <a:rPr lang="zh-CN" altLang="en-US" dirty="0"/>
-              <a:t>观察“库存量”的变化趋势</a:t>
+              <a:t>补偿特性：负反馈系统具有当状态变量受外界输入（输出）速率作用时，仍然力图使状态变量趋于目标值的特性</a:t>
             </a:r>
           </a:p>
         </p:txBody>
       </p:sp>
       <p:pic>
         <p:nvPicPr>
-          <p:cNvPr id="4" name="图片 3"/>
+          <p:cNvPr id="5" name="图片 4"/>
           <p:cNvPicPr>
             <a:picLocks noChangeAspect="1"/>
           </p:cNvPicPr>
@@ -9329,7 +9346,31 @@
         </p:blipFill>
         <p:spPr>
           <a:xfrm>
-            <a:off x="5014292" y="3886200"/>
+            <a:off x="7773711" y="3933056"/>
+            <a:ext cx="4387416" cy="2924944"/>
+          </a:xfrm>
+          <a:prstGeom prst="rect">
+            <a:avLst/>
+          </a:prstGeom>
+        </p:spPr>
+      </p:pic>
+      <p:pic>
+        <p:nvPicPr>
+          <p:cNvPr id="4" name="图片 3"/>
+          <p:cNvPicPr>
+            <a:picLocks noChangeAspect="1"/>
+          </p:cNvPicPr>
+          <p:nvPr/>
+        </p:nvPicPr>
+        <p:blipFill>
+          <a:blip r:embed="rId3"/>
+          <a:stretch>
+            <a:fillRect/>
+          </a:stretch>
+        </p:blipFill>
+        <p:spPr>
+          <a:xfrm>
+            <a:off x="1053852" y="2591096"/>
             <a:ext cx="7460846" cy="2804432"/>
           </a:xfrm>
           <a:prstGeom prst="rect">
@@ -9340,7 +9381,7 @@
     </p:spTree>
     <p:extLst>
       <p:ext uri="{BB962C8B-B14F-4D97-AF65-F5344CB8AC3E}">
-        <p14:creationId xmlns:p14="http://schemas.microsoft.com/office/powerpoint/2010/main" val="806688128"/>
+        <p14:creationId xmlns:p14="http://schemas.microsoft.com/office/powerpoint/2010/main" val="3201046799"/>
       </p:ext>
     </p:extLst>
   </p:cSld>
@@ -9396,7 +9437,7 @@
           <a:p>
             <a:r>
               <a:rPr lang="zh-CN" altLang="en-US" dirty="0"/>
-              <a:t>调节时间常数</a:t>
+              <a:t>“寻的” 行为的模式</a:t>
             </a:r>
           </a:p>
         </p:txBody>
@@ -9411,78 +9452,81 @@
             <p:ph idx="1"/>
           </p:nvPr>
         </p:nvSpPr>
-        <p:spPr>
-          <a:xfrm>
-            <a:off x="1593437" y="1600200"/>
-            <a:ext cx="4789008" cy="4572000"/>
-          </a:xfrm>
-        </p:spPr>
+        <p:spPr/>
         <p:txBody>
           <a:bodyPr/>
           <a:lstStyle/>
           <a:p>
             <a:r>
               <a:rPr lang="zh-CN" altLang="en-US" dirty="0"/>
-              <a:t>以右侧一般性的负反馈回路系统为例</a:t>
+              <a:t>负反馈趋向于状态的平衡点发展</a:t>
             </a:r>
             <a:endParaRPr lang="en-US" altLang="zh-CN" dirty="0"/>
           </a:p>
           <a:p>
+            <a:pPr lvl="1"/>
             <a:r>
               <a:rPr lang="zh-CN" altLang="en-US" dirty="0"/>
-              <a:t>调整时间</a:t>
+              <a:t>模式</a:t>
             </a:r>
             <a:r>
               <a:rPr lang="en-US" altLang="zh-CN" dirty="0"/>
-              <a:t>CONST</a:t>
+              <a:t>1</a:t>
             </a:r>
             <a:r>
               <a:rPr lang="zh-CN" altLang="en-US" dirty="0"/>
-              <a:t>代表了系统能在多久之内外城纠偏行为</a:t>
+              <a:t>：当状态为正数，差距为正时</a:t>
             </a:r>
             <a:endParaRPr lang="en-US" altLang="zh-CN" dirty="0"/>
           </a:p>
           <a:p>
+            <a:pPr lvl="1"/>
             <a:r>
               <a:rPr lang="zh-CN" altLang="en-US" dirty="0"/>
-              <a:t>如果系统能迅速满足</a:t>
-            </a:r>
-            <a:r>
-              <a:rPr lang="zh-CN" altLang="en-US"/>
-              <a:t>矫正，则调整时间较小；反之，较大</a:t>
-            </a:r>
-            <a:endParaRPr lang="zh-CN" altLang="en-US" dirty="0"/>
-          </a:p>
-        </p:txBody>
-      </p:sp>
-      <p:pic>
-        <p:nvPicPr>
-          <p:cNvPr id="4" name="图片 3"/>
-          <p:cNvPicPr>
-            <a:picLocks noChangeAspect="1"/>
-          </p:cNvPicPr>
-          <p:nvPr/>
-        </p:nvPicPr>
-        <p:blipFill>
-          <a:blip r:embed="rId2"/>
-          <a:stretch>
-            <a:fillRect/>
-          </a:stretch>
-        </p:blipFill>
-        <p:spPr>
-          <a:xfrm>
-            <a:off x="5662364" y="404664"/>
-            <a:ext cx="6687631" cy="2938321"/>
-          </a:xfrm>
-          <a:prstGeom prst="rect">
-            <a:avLst/>
-          </a:prstGeom>
-        </p:spPr>
-      </p:pic>
+              <a:t>模式</a:t>
+            </a:r>
+            <a:r>
+              <a:rPr lang="en-US" altLang="zh-CN" dirty="0"/>
+              <a:t>2</a:t>
+            </a:r>
+            <a:r>
+              <a:rPr lang="zh-CN" altLang="en-US" dirty="0"/>
+              <a:t>：当状态为正数，差距为负时</a:t>
+            </a:r>
+            <a:endParaRPr lang="en-US" altLang="zh-CN" dirty="0"/>
+          </a:p>
+          <a:p>
+            <a:pPr lvl="1"/>
+            <a:r>
+              <a:rPr lang="zh-CN" altLang="en-US" dirty="0"/>
+              <a:t>模式</a:t>
+            </a:r>
+            <a:r>
+              <a:rPr lang="en-US" altLang="zh-CN" dirty="0"/>
+              <a:t>3</a:t>
+            </a:r>
+            <a:r>
+              <a:rPr lang="zh-CN" altLang="en-US" dirty="0"/>
+              <a:t>：当状态为正数，差距为零时</a:t>
+            </a:r>
+            <a:endParaRPr lang="en-US" altLang="zh-CN" dirty="0"/>
+          </a:p>
+          <a:p>
+            <a:pPr lvl="1"/>
+            <a:endParaRPr lang="en-US" altLang="zh-CN" dirty="0"/>
+          </a:p>
+          <a:p>
+            <a:r>
+              <a:rPr lang="zh-CN" altLang="en-US" dirty="0"/>
+              <a:t>系统增长的动力来自哪里？</a:t>
+            </a:r>
+          </a:p>
+        </p:txBody>
+      </p:sp>
     </p:spTree>
     <p:extLst>
       <p:ext uri="{BB962C8B-B14F-4D97-AF65-F5344CB8AC3E}">
-        <p14:creationId xmlns:p14="http://schemas.microsoft.com/office/powerpoint/2010/main" val="1366710636"/>
+        <p14:creationId xmlns:p14="http://schemas.microsoft.com/office/powerpoint/2010/main" val="1547966082"/>
       </p:ext>
     </p:extLst>
   </p:cSld>
@@ -9538,7 +9582,7 @@
           <a:p>
             <a:r>
               <a:rPr lang="zh-CN" altLang="en-US" dirty="0"/>
-              <a:t>负反馈的特点</a:t>
+              <a:t>调节时间常数</a:t>
             </a:r>
           </a:p>
         </p:txBody>
@@ -9553,45 +9597,65 @@
             <p:ph idx="1"/>
           </p:nvPr>
         </p:nvSpPr>
-        <p:spPr/>
+        <p:spPr>
+          <a:xfrm>
+            <a:off x="1593437" y="1600200"/>
+            <a:ext cx="6229168" cy="4572000"/>
+          </a:xfrm>
+        </p:spPr>
         <p:txBody>
           <a:bodyPr/>
           <a:lstStyle/>
           <a:p>
-            <a:pPr marL="514350" indent="-514350">
-              <a:buFont typeface="+mj-lt"/>
-              <a:buAutoNum type="arabicPeriod"/>
-            </a:pPr>
             <a:r>
               <a:rPr lang="zh-CN" altLang="en-US" dirty="0"/>
-              <a:t>基于状态值与目标值之间的差距发挥调节作用</a:t>
+              <a:t>负反馈的时间常数调节系统对目标的反应快慢</a:t>
             </a:r>
             <a:endParaRPr lang="en-US" altLang="zh-CN" dirty="0"/>
           </a:p>
           <a:p>
-            <a:pPr marL="514350" indent="-514350">
-              <a:buFont typeface="+mj-lt"/>
-              <a:buAutoNum type="arabicPeriod"/>
-            </a:pPr>
             <a:r>
               <a:rPr lang="zh-CN" altLang="en-US" dirty="0"/>
-              <a:t>时间常数决定系统对状态变化的反应速度</a:t>
+              <a:t>尝试调节右侧系统模型中的“库存调整时间”</a:t>
             </a:r>
             <a:endParaRPr lang="en-US" altLang="zh-CN" dirty="0"/>
           </a:p>
           <a:p>
-            <a:pPr marL="514350" indent="-514350">
-              <a:buFont typeface="+mj-lt"/>
-              <a:buAutoNum type="arabicPeriod"/>
-            </a:pPr>
-            <a:endParaRPr lang="en-US" altLang="zh-CN" dirty="0"/>
-          </a:p>
-        </p:txBody>
-      </p:sp>
+            <a:r>
+              <a:rPr lang="zh-CN" altLang="en-US" dirty="0"/>
+              <a:t>观察“库存量”的变化趋势</a:t>
+            </a:r>
+          </a:p>
+        </p:txBody>
+      </p:sp>
+      <p:pic>
+        <p:nvPicPr>
+          <p:cNvPr id="4" name="图片 3"/>
+          <p:cNvPicPr>
+            <a:picLocks noChangeAspect="1"/>
+          </p:cNvPicPr>
+          <p:nvPr/>
+        </p:nvPicPr>
+        <p:blipFill>
+          <a:blip r:embed="rId2"/>
+          <a:stretch>
+            <a:fillRect/>
+          </a:stretch>
+        </p:blipFill>
+        <p:spPr>
+          <a:xfrm>
+            <a:off x="5014292" y="3886200"/>
+            <a:ext cx="7460846" cy="2804432"/>
+          </a:xfrm>
+          <a:prstGeom prst="rect">
+            <a:avLst/>
+          </a:prstGeom>
+        </p:spPr>
+      </p:pic>
     </p:spTree>
     <p:extLst>
       <p:ext uri="{BB962C8B-B14F-4D97-AF65-F5344CB8AC3E}">
-        <p14:creationId xmlns:p14="http://schemas.microsoft.com/office/powerpoint/2010/main" val="1888966574"/>
+        <p14:creationId xmlns:p14="http://schemas.microsoft.com/office/powerpoint/2010/main" val="806688128"/>
       </p:ext>
     </p:extLst>
   </p:cSld>
@@ -9647,7 +9711,7 @@
           <a:p>
             <a:r>
               <a:rPr lang="zh-CN" altLang="en-US" dirty="0"/>
-              <a:t>练习：劳动力补充</a:t>
+              <a:t>调节时间常数</a:t>
             </a:r>
           </a:p>
         </p:txBody>
@@ -9662,46 +9726,78 @@
             <p:ph idx="1"/>
           </p:nvPr>
         </p:nvSpPr>
-        <p:spPr/>
+        <p:spPr>
+          <a:xfrm>
+            <a:off x="1593437" y="1600200"/>
+            <a:ext cx="4789008" cy="4572000"/>
+          </a:xfrm>
+        </p:spPr>
         <p:txBody>
           <a:bodyPr/>
           <a:lstStyle/>
           <a:p>
             <a:r>
               <a:rPr lang="zh-CN" altLang="en-US" dirty="0"/>
-              <a:t>企业原有工人</a:t>
+              <a:t>以右侧一般性的负反馈回路系统为例</a:t>
+            </a:r>
+            <a:endParaRPr lang="en-US" altLang="zh-CN" dirty="0"/>
+          </a:p>
+          <a:p>
+            <a:r>
+              <a:rPr lang="zh-CN" altLang="en-US" dirty="0"/>
+              <a:t>调整时间</a:t>
             </a:r>
             <a:r>
               <a:rPr lang="en-US" altLang="zh-CN" dirty="0"/>
-              <a:t>200</a:t>
+              <a:t>CONST</a:t>
             </a:r>
             <a:r>
               <a:rPr lang="zh-CN" altLang="en-US" dirty="0"/>
-              <a:t>人，由于市场的扩大需要加大人力投入，目前计划将工人总数扩大到</a:t>
-            </a:r>
-            <a:r>
-              <a:rPr lang="en-US" altLang="zh-CN" dirty="0"/>
-              <a:t>800</a:t>
-            </a:r>
+              <a:t>代表了系统能在多久之内外城纠偏行为</a:t>
+            </a:r>
+            <a:endParaRPr lang="en-US" altLang="zh-CN" dirty="0"/>
+          </a:p>
+          <a:p>
             <a:r>
               <a:rPr lang="zh-CN" altLang="en-US" dirty="0"/>
-              <a:t>人，人事部门招人时调整时间设为</a:t>
-            </a:r>
-            <a:r>
-              <a:rPr lang="en-US" altLang="zh-CN" dirty="0"/>
-              <a:t>5</a:t>
-            </a:r>
-            <a:r>
-              <a:rPr lang="zh-CN" altLang="en-US" dirty="0"/>
-              <a:t>周，请做出相应的系统仿真</a:t>
-            </a:r>
-          </a:p>
-        </p:txBody>
-      </p:sp>
+              <a:t>如果系统能迅速满足</a:t>
+            </a:r>
+            <a:r>
+              <a:rPr lang="zh-CN" altLang="en-US"/>
+              <a:t>矫正，则调整时间较小；反之，较大</a:t>
+            </a:r>
+            <a:endParaRPr lang="zh-CN" altLang="en-US" dirty="0"/>
+          </a:p>
+        </p:txBody>
+      </p:sp>
+      <p:pic>
+        <p:nvPicPr>
+          <p:cNvPr id="4" name="图片 3"/>
+          <p:cNvPicPr>
+            <a:picLocks noChangeAspect="1"/>
+          </p:cNvPicPr>
+          <p:nvPr/>
+        </p:nvPicPr>
+        <p:blipFill>
+          <a:blip r:embed="rId2"/>
+          <a:stretch>
+            <a:fillRect/>
+          </a:stretch>
+        </p:blipFill>
+        <p:spPr>
+          <a:xfrm>
+            <a:off x="5662364" y="404664"/>
+            <a:ext cx="6687631" cy="2938321"/>
+          </a:xfrm>
+          <a:prstGeom prst="rect">
+            <a:avLst/>
+          </a:prstGeom>
+        </p:spPr>
+      </p:pic>
     </p:spTree>
     <p:extLst>
       <p:ext uri="{BB962C8B-B14F-4D97-AF65-F5344CB8AC3E}">
-        <p14:creationId xmlns:p14="http://schemas.microsoft.com/office/powerpoint/2010/main" val="2517009402"/>
+        <p14:creationId xmlns:p14="http://schemas.microsoft.com/office/powerpoint/2010/main" val="1366710636"/>
       </p:ext>
     </p:extLst>
   </p:cSld>
@@ -9918,50 +10014,6 @@
       </p:pic>
       <p:sp>
         <p:nvSpPr>
-          <p:cNvPr id="6" name="左弧形箭头 5"/>
-          <p:cNvSpPr/>
-          <p:nvPr/>
-        </p:nvSpPr>
-        <p:spPr>
-          <a:xfrm rot="20648319">
-            <a:off x="7650242" y="1898929"/>
-            <a:ext cx="767164" cy="2664905"/>
-          </a:xfrm>
-          <a:prstGeom prst="curvedRightArrow">
-            <a:avLst/>
-          </a:prstGeom>
-        </p:spPr>
-        <p:style>
-          <a:lnRef idx="2">
-            <a:schemeClr val="accent1">
-              <a:shade val="50000"/>
-            </a:schemeClr>
-          </a:lnRef>
-          <a:fillRef idx="1">
-            <a:schemeClr val="accent1"/>
-          </a:fillRef>
-          <a:effectRef idx="0">
-            <a:schemeClr val="accent1"/>
-          </a:effectRef>
-          <a:fontRef idx="minor">
-            <a:schemeClr val="lt1"/>
-          </a:fontRef>
-        </p:style>
-        <p:txBody>
-          <a:bodyPr rtlCol="0" anchor="ctr"/>
-          <a:lstStyle/>
-          <a:p>
-            <a:pPr algn="ctr"/>
-            <a:endParaRPr lang="zh-CN" altLang="en-US">
-              <a:solidFill>
-                <a:schemeClr val="tx1"/>
-              </a:solidFill>
-            </a:endParaRPr>
-          </a:p>
-        </p:txBody>
-      </p:sp>
-      <p:sp>
-        <p:nvSpPr>
           <p:cNvPr id="7" name="文本框 6"/>
           <p:cNvSpPr txBox="1"/>
           <p:nvPr/>
@@ -9993,6 +10045,48 @@
           </a:p>
         </p:txBody>
       </p:sp>
+      <p:cxnSp>
+        <p:nvCxnSpPr>
+          <p:cNvPr id="9" name="直线箭头连接符 8">
+            <a:extLst>
+              <a:ext uri="{FF2B5EF4-FFF2-40B4-BE49-F238E27FC236}">
+                <a16:creationId xmlns:a16="http://schemas.microsoft.com/office/drawing/2014/main" id="{CAF67F3D-3DC6-4B4F-98FB-528FFEC62E76}"/>
+              </a:ext>
+            </a:extLst>
+          </p:cNvPr>
+          <p:cNvCxnSpPr/>
+          <p:nvPr/>
+        </p:nvCxnSpPr>
+        <p:spPr>
+          <a:xfrm flipH="1">
+            <a:off x="9910836" y="908720"/>
+            <a:ext cx="216024" cy="3240360"/>
+          </a:xfrm>
+          <a:prstGeom prst="straightConnector1">
+            <a:avLst/>
+          </a:prstGeom>
+          <a:ln w="15875">
+            <a:solidFill>
+              <a:srgbClr val="FF0000"/>
+            </a:solidFill>
+            <a:tailEnd type="triangle"/>
+          </a:ln>
+        </p:spPr>
+        <p:style>
+          <a:lnRef idx="1">
+            <a:schemeClr val="accent1"/>
+          </a:lnRef>
+          <a:fillRef idx="0">
+            <a:schemeClr val="accent1"/>
+          </a:fillRef>
+          <a:effectRef idx="0">
+            <a:schemeClr val="accent1"/>
+          </a:effectRef>
+          <a:fontRef idx="minor">
+            <a:schemeClr val="tx1"/>
+          </a:fontRef>
+        </p:style>
+      </p:cxnSp>
     </p:spTree>
     <p:extLst>
       <p:ext uri="{BB962C8B-B14F-4D97-AF65-F5344CB8AC3E}">
@@ -10015,10 +10109,418 @@
       </p:transition>
     </mc:Fallback>
   </mc:AlternateContent>
+  <p:timing>
+    <p:tnLst>
+      <p:par>
+        <p:cTn id="1" dur="indefinite" restart="never" nodeType="tmRoot">
+          <p:childTnLst>
+            <p:seq concurrent="1" nextAc="seek">
+              <p:cTn id="2" dur="indefinite" nodeType="mainSeq">
+                <p:childTnLst>
+                  <p:par>
+                    <p:cTn id="3" fill="hold">
+                      <p:stCondLst>
+                        <p:cond delay="indefinite"/>
+                      </p:stCondLst>
+                      <p:childTnLst>
+                        <p:par>
+                          <p:cTn id="4" fill="hold">
+                            <p:stCondLst>
+                              <p:cond delay="0"/>
+                            </p:stCondLst>
+                            <p:childTnLst>
+                              <p:par>
+                                <p:cTn id="5" presetID="22" presetClass="entr" presetSubtype="1" fill="hold" nodeType="clickEffect">
+                                  <p:stCondLst>
+                                    <p:cond delay="0"/>
+                                  </p:stCondLst>
+                                  <p:childTnLst>
+                                    <p:set>
+                                      <p:cBhvr>
+                                        <p:cTn id="6" dur="1" fill="hold">
+                                          <p:stCondLst>
+                                            <p:cond delay="0"/>
+                                          </p:stCondLst>
+                                        </p:cTn>
+                                        <p:tgtEl>
+                                          <p:spTgt spid="4"/>
+                                        </p:tgtEl>
+                                        <p:attrNameLst>
+                                          <p:attrName>style.visibility</p:attrName>
+                                        </p:attrNameLst>
+                                      </p:cBhvr>
+                                      <p:to>
+                                        <p:strVal val="visible"/>
+                                      </p:to>
+                                    </p:set>
+                                    <p:animEffect transition="in" filter="wipe(up)">
+                                      <p:cBhvr>
+                                        <p:cTn id="7" dur="500"/>
+                                        <p:tgtEl>
+                                          <p:spTgt spid="4"/>
+                                        </p:tgtEl>
+                                      </p:cBhvr>
+                                    </p:animEffect>
+                                  </p:childTnLst>
+                                </p:cTn>
+                              </p:par>
+                            </p:childTnLst>
+                          </p:cTn>
+                        </p:par>
+                      </p:childTnLst>
+                    </p:cTn>
+                  </p:par>
+                  <p:par>
+                    <p:cTn id="8" fill="hold">
+                      <p:stCondLst>
+                        <p:cond delay="indefinite"/>
+                      </p:stCondLst>
+                      <p:childTnLst>
+                        <p:par>
+                          <p:cTn id="9" fill="hold">
+                            <p:stCondLst>
+                              <p:cond delay="0"/>
+                            </p:stCondLst>
+                            <p:childTnLst>
+                              <p:par>
+                                <p:cTn id="10" presetID="21" presetClass="entr" presetSubtype="1" fill="hold" nodeType="clickEffect">
+                                  <p:stCondLst>
+                                    <p:cond delay="0"/>
+                                  </p:stCondLst>
+                                  <p:childTnLst>
+                                    <p:set>
+                                      <p:cBhvr>
+                                        <p:cTn id="11" dur="1" fill="hold">
+                                          <p:stCondLst>
+                                            <p:cond delay="0"/>
+                                          </p:stCondLst>
+                                        </p:cTn>
+                                        <p:tgtEl>
+                                          <p:spTgt spid="5"/>
+                                        </p:tgtEl>
+                                        <p:attrNameLst>
+                                          <p:attrName>style.visibility</p:attrName>
+                                        </p:attrNameLst>
+                                      </p:cBhvr>
+                                      <p:to>
+                                        <p:strVal val="visible"/>
+                                      </p:to>
+                                    </p:set>
+                                    <p:animEffect transition="in" filter="wheel(1)">
+                                      <p:cBhvr>
+                                        <p:cTn id="12" dur="500"/>
+                                        <p:tgtEl>
+                                          <p:spTgt spid="5"/>
+                                        </p:tgtEl>
+                                      </p:cBhvr>
+                                    </p:animEffect>
+                                  </p:childTnLst>
+                                </p:cTn>
+                              </p:par>
+                            </p:childTnLst>
+                          </p:cTn>
+                        </p:par>
+                      </p:childTnLst>
+                    </p:cTn>
+                  </p:par>
+                  <p:par>
+                    <p:cTn id="13" fill="hold">
+                      <p:stCondLst>
+                        <p:cond delay="indefinite"/>
+                      </p:stCondLst>
+                      <p:childTnLst>
+                        <p:par>
+                          <p:cTn id="14" fill="hold">
+                            <p:stCondLst>
+                              <p:cond delay="0"/>
+                            </p:stCondLst>
+                            <p:childTnLst>
+                              <p:par>
+                                <p:cTn id="15" presetID="22" presetClass="entr" presetSubtype="1" fill="hold" nodeType="clickEffect">
+                                  <p:stCondLst>
+                                    <p:cond delay="0"/>
+                                  </p:stCondLst>
+                                  <p:childTnLst>
+                                    <p:set>
+                                      <p:cBhvr>
+                                        <p:cTn id="16" dur="1" fill="hold">
+                                          <p:stCondLst>
+                                            <p:cond delay="0"/>
+                                          </p:stCondLst>
+                                        </p:cTn>
+                                        <p:tgtEl>
+                                          <p:spTgt spid="9"/>
+                                        </p:tgtEl>
+                                        <p:attrNameLst>
+                                          <p:attrName>style.visibility</p:attrName>
+                                        </p:attrNameLst>
+                                      </p:cBhvr>
+                                      <p:to>
+                                        <p:strVal val="visible"/>
+                                      </p:to>
+                                    </p:set>
+                                    <p:animEffect transition="in" filter="wipe(up)">
+                                      <p:cBhvr>
+                                        <p:cTn id="17" dur="500"/>
+                                        <p:tgtEl>
+                                          <p:spTgt spid="9"/>
+                                        </p:tgtEl>
+                                      </p:cBhvr>
+                                    </p:animEffect>
+                                  </p:childTnLst>
+                                </p:cTn>
+                              </p:par>
+                            </p:childTnLst>
+                          </p:cTn>
+                        </p:par>
+                      </p:childTnLst>
+                    </p:cTn>
+                  </p:par>
+                </p:childTnLst>
+              </p:cTn>
+              <p:prevCondLst>
+                <p:cond evt="onPrev" delay="0">
+                  <p:tgtEl>
+                    <p:sldTgt/>
+                  </p:tgtEl>
+                </p:cond>
+              </p:prevCondLst>
+              <p:nextCondLst>
+                <p:cond evt="onNext" delay="0">
+                  <p:tgtEl>
+                    <p:sldTgt/>
+                  </p:tgtEl>
+                </p:cond>
+              </p:nextCondLst>
+            </p:seq>
+          </p:childTnLst>
+        </p:cTn>
+      </p:par>
+    </p:tnLst>
+  </p:timing>
 </p:sld>
 </file>
 
 <file path=ppt/slides/slide20.xml><?xml version="1.0" encoding="utf-8"?>
+<p:sld xmlns:a="http://schemas.openxmlformats.org/drawingml/2006/main" xmlns:r="http://schemas.openxmlformats.org/officeDocument/2006/relationships" xmlns:p="http://schemas.openxmlformats.org/presentationml/2006/main">
+  <p:cSld>
+    <p:spTree>
+      <p:nvGrpSpPr>
+        <p:cNvPr id="1" name=""/>
+        <p:cNvGrpSpPr/>
+        <p:nvPr/>
+      </p:nvGrpSpPr>
+      <p:grpSpPr>
+        <a:xfrm>
+          <a:off x="0" y="0"/>
+          <a:ext cx="0" cy="0"/>
+          <a:chOff x="0" y="0"/>
+          <a:chExt cx="0" cy="0"/>
+        </a:xfrm>
+      </p:grpSpPr>
+      <p:sp>
+        <p:nvSpPr>
+          <p:cNvPr id="2" name="标题 1"/>
+          <p:cNvSpPr>
+            <a:spLocks noGrp="1"/>
+          </p:cNvSpPr>
+          <p:nvPr>
+            <p:ph type="title"/>
+          </p:nvPr>
+        </p:nvSpPr>
+        <p:spPr/>
+        <p:txBody>
+          <a:bodyPr/>
+          <a:lstStyle/>
+          <a:p>
+            <a:r>
+              <a:rPr lang="zh-CN" altLang="en-US" dirty="0"/>
+              <a:t>负反馈的特点</a:t>
+            </a:r>
+          </a:p>
+        </p:txBody>
+      </p:sp>
+      <p:sp>
+        <p:nvSpPr>
+          <p:cNvPr id="3" name="内容占位符 2"/>
+          <p:cNvSpPr>
+            <a:spLocks noGrp="1"/>
+          </p:cNvSpPr>
+          <p:nvPr>
+            <p:ph idx="1"/>
+          </p:nvPr>
+        </p:nvSpPr>
+        <p:spPr/>
+        <p:txBody>
+          <a:bodyPr/>
+          <a:lstStyle/>
+          <a:p>
+            <a:pPr marL="514350" indent="-514350">
+              <a:buFont typeface="+mj-lt"/>
+              <a:buAutoNum type="arabicPeriod"/>
+            </a:pPr>
+            <a:r>
+              <a:rPr lang="zh-CN" altLang="en-US" dirty="0"/>
+              <a:t>基于状态值与目标值之间的差距发挥调节作用</a:t>
+            </a:r>
+            <a:endParaRPr lang="en-US" altLang="zh-CN" dirty="0"/>
+          </a:p>
+          <a:p>
+            <a:pPr marL="514350" indent="-514350">
+              <a:buFont typeface="+mj-lt"/>
+              <a:buAutoNum type="arabicPeriod"/>
+            </a:pPr>
+            <a:r>
+              <a:rPr lang="zh-CN" altLang="en-US" dirty="0"/>
+              <a:t>时间常数决定系统对状态变化的反应速度</a:t>
+            </a:r>
+            <a:endParaRPr lang="en-US" altLang="zh-CN" dirty="0"/>
+          </a:p>
+          <a:p>
+            <a:pPr marL="514350" indent="-514350">
+              <a:buFont typeface="+mj-lt"/>
+              <a:buAutoNum type="arabicPeriod"/>
+            </a:pPr>
+            <a:endParaRPr lang="en-US" altLang="zh-CN" dirty="0"/>
+          </a:p>
+        </p:txBody>
+      </p:sp>
+    </p:spTree>
+    <p:extLst>
+      <p:ext uri="{BB962C8B-B14F-4D97-AF65-F5344CB8AC3E}">
+        <p14:creationId xmlns:p14="http://schemas.microsoft.com/office/powerpoint/2010/main" val="1888966574"/>
+      </p:ext>
+    </p:extLst>
+  </p:cSld>
+  <p:clrMapOvr>
+    <a:masterClrMapping/>
+  </p:clrMapOvr>
+  <mc:AlternateContent xmlns:mc="http://schemas.openxmlformats.org/markup-compatibility/2006" xmlns:p14="http://schemas.microsoft.com/office/powerpoint/2010/main">
+    <mc:Choice Requires="p14">
+      <p:transition spd="med" p14:dur="700">
+        <p:fade/>
+      </p:transition>
+    </mc:Choice>
+    <mc:Fallback xmlns="">
+      <p:transition spd="med">
+        <p:fade/>
+      </p:transition>
+    </mc:Fallback>
+  </mc:AlternateContent>
+</p:sld>
+</file>
+
+<file path=ppt/slides/slide21.xml><?xml version="1.0" encoding="utf-8"?>
+<p:sld xmlns:a="http://schemas.openxmlformats.org/drawingml/2006/main" xmlns:r="http://schemas.openxmlformats.org/officeDocument/2006/relationships" xmlns:p="http://schemas.openxmlformats.org/presentationml/2006/main">
+  <p:cSld>
+    <p:spTree>
+      <p:nvGrpSpPr>
+        <p:cNvPr id="1" name=""/>
+        <p:cNvGrpSpPr/>
+        <p:nvPr/>
+      </p:nvGrpSpPr>
+      <p:grpSpPr>
+        <a:xfrm>
+          <a:off x="0" y="0"/>
+          <a:ext cx="0" cy="0"/>
+          <a:chOff x="0" y="0"/>
+          <a:chExt cx="0" cy="0"/>
+        </a:xfrm>
+      </p:grpSpPr>
+      <p:sp>
+        <p:nvSpPr>
+          <p:cNvPr id="2" name="标题 1"/>
+          <p:cNvSpPr>
+            <a:spLocks noGrp="1"/>
+          </p:cNvSpPr>
+          <p:nvPr>
+            <p:ph type="title"/>
+          </p:nvPr>
+        </p:nvSpPr>
+        <p:spPr/>
+        <p:txBody>
+          <a:bodyPr/>
+          <a:lstStyle/>
+          <a:p>
+            <a:r>
+              <a:rPr lang="zh-CN" altLang="en-US" dirty="0"/>
+              <a:t>练习：劳动力补充</a:t>
+            </a:r>
+          </a:p>
+        </p:txBody>
+      </p:sp>
+      <p:sp>
+        <p:nvSpPr>
+          <p:cNvPr id="3" name="内容占位符 2"/>
+          <p:cNvSpPr>
+            <a:spLocks noGrp="1"/>
+          </p:cNvSpPr>
+          <p:nvPr>
+            <p:ph idx="1"/>
+          </p:nvPr>
+        </p:nvSpPr>
+        <p:spPr/>
+        <p:txBody>
+          <a:bodyPr/>
+          <a:lstStyle/>
+          <a:p>
+            <a:r>
+              <a:rPr lang="zh-CN" altLang="en-US" dirty="0"/>
+              <a:t>企业原有工人</a:t>
+            </a:r>
+            <a:r>
+              <a:rPr lang="en-US" altLang="zh-CN" dirty="0"/>
+              <a:t>200</a:t>
+            </a:r>
+            <a:r>
+              <a:rPr lang="zh-CN" altLang="en-US" dirty="0"/>
+              <a:t>人，由于市场的扩大需要加大人力投入，目前计划将工人总数扩大到</a:t>
+            </a:r>
+            <a:r>
+              <a:rPr lang="en-US" altLang="zh-CN" dirty="0"/>
+              <a:t>800</a:t>
+            </a:r>
+            <a:r>
+              <a:rPr lang="zh-CN" altLang="en-US" dirty="0"/>
+              <a:t>人，人事部门招人时调整时间设为</a:t>
+            </a:r>
+            <a:r>
+              <a:rPr lang="en-US" altLang="zh-CN" dirty="0"/>
+              <a:t>5</a:t>
+            </a:r>
+            <a:r>
+              <a:rPr lang="zh-CN" altLang="en-US" dirty="0"/>
+              <a:t>周，请做出相应的系统仿真</a:t>
+            </a:r>
+          </a:p>
+        </p:txBody>
+      </p:sp>
+    </p:spTree>
+    <p:extLst>
+      <p:ext uri="{BB962C8B-B14F-4D97-AF65-F5344CB8AC3E}">
+        <p14:creationId xmlns:p14="http://schemas.microsoft.com/office/powerpoint/2010/main" val="2517009402"/>
+      </p:ext>
+    </p:extLst>
+  </p:cSld>
+  <p:clrMapOvr>
+    <a:masterClrMapping/>
+  </p:clrMapOvr>
+  <mc:AlternateContent xmlns:mc="http://schemas.openxmlformats.org/markup-compatibility/2006" xmlns:p14="http://schemas.microsoft.com/office/powerpoint/2010/main">
+    <mc:Choice Requires="p14">
+      <p:transition spd="med" p14:dur="700">
+        <p:fade/>
+      </p:transition>
+    </mc:Choice>
+    <mc:Fallback xmlns="">
+      <p:transition spd="med">
+        <p:fade/>
+      </p:transition>
+    </mc:Fallback>
+  </mc:AlternateContent>
+</p:sld>
+</file>
+
+<file path=ppt/slides/slide22.xml><?xml version="1.0" encoding="utf-8"?>
 <p:sld xmlns:a="http://schemas.openxmlformats.org/drawingml/2006/main" xmlns:r="http://schemas.openxmlformats.org/officeDocument/2006/relationships" xmlns:p="http://schemas.openxmlformats.org/presentationml/2006/main">
   <p:cSld>
     <p:spTree>
@@ -10163,7 +10665,7 @@
 </p:sld>
 </file>
 
-<file path=ppt/slides/slide21.xml><?xml version="1.0" encoding="utf-8"?>
+<file path=ppt/slides/slide23.xml><?xml version="1.0" encoding="utf-8"?>
 <p:sld xmlns:a="http://schemas.openxmlformats.org/drawingml/2006/main" xmlns:r="http://schemas.openxmlformats.org/officeDocument/2006/relationships" xmlns:p="http://schemas.openxmlformats.org/presentationml/2006/main">
   <p:cSld>
     <p:spTree>
@@ -10329,7 +10831,13 @@
       </p:grpSpPr>
       <p:sp>
         <p:nvSpPr>
-          <p:cNvPr id="2" name="标题 1"/>
+          <p:cNvPr id="2" name="标题 1">
+            <a:extLst>
+              <a:ext uri="{FF2B5EF4-FFF2-40B4-BE49-F238E27FC236}">
+                <a16:creationId xmlns:a16="http://schemas.microsoft.com/office/drawing/2014/main" id="{E5BC5F4C-17EF-9949-A460-F8445CCCB163}"/>
+              </a:ext>
+            </a:extLst>
+          </p:cNvPr>
           <p:cNvSpPr>
             <a:spLocks noGrp="1"/>
           </p:cNvSpPr>
@@ -10343,71 +10851,21 @@
           <a:lstStyle/>
           <a:p>
             <a:r>
-              <a:rPr lang="zh-CN" altLang="en-US" dirty="0"/>
-              <a:t>一、一阶正反馈</a:t>
-            </a:r>
-          </a:p>
-        </p:txBody>
-      </p:sp>
-      <p:sp>
-        <p:nvSpPr>
-          <p:cNvPr id="3" name="内容占位符 2"/>
-          <p:cNvSpPr>
-            <a:spLocks noGrp="1"/>
-          </p:cNvSpPr>
-          <p:nvPr>
-            <p:ph idx="1"/>
-          </p:nvPr>
-        </p:nvSpPr>
-        <p:spPr/>
-        <p:txBody>
-          <a:bodyPr/>
-          <a:lstStyle/>
-          <a:p>
-            <a:r>
-              <a:rPr lang="zh-CN" altLang="en-US" dirty="0"/>
-              <a:t>复利</a:t>
-            </a:r>
-            <a:endParaRPr lang="en-US" altLang="zh-CN" dirty="0"/>
-          </a:p>
-          <a:p>
-            <a:pPr lvl="1"/>
-            <a:r>
-              <a:rPr lang="zh-CN" altLang="en-US" dirty="0"/>
-              <a:t>银行本金</a:t>
-            </a:r>
-            <a:r>
-              <a:rPr lang="en-US" altLang="zh-CN" dirty="0"/>
-              <a:t>20</a:t>
-            </a:r>
-            <a:r>
-              <a:rPr lang="zh-CN" altLang="en-US" dirty="0"/>
-              <a:t>万元，如果按照利息每年百分之</a:t>
-            </a:r>
-            <a:r>
-              <a:rPr lang="en-US" altLang="zh-CN" dirty="0"/>
-              <a:t>7</a:t>
-            </a:r>
-            <a:r>
-              <a:rPr lang="zh-CN" altLang="en-US" dirty="0"/>
-              <a:t>算，二十年后本金将会是多少，一百年后是多少，这个过程中本金是沿什么轨迹增长的</a:t>
-            </a:r>
-            <a:endParaRPr lang="en-US" altLang="zh-CN" dirty="0"/>
-          </a:p>
-          <a:p>
-            <a:endParaRPr lang="en-US" altLang="zh-CN" dirty="0"/>
-          </a:p>
-          <a:p>
-            <a:endParaRPr lang="en-US" altLang="zh-CN" dirty="0"/>
-          </a:p>
-          <a:p>
-            <a:endParaRPr lang="zh-CN" altLang="en-US" dirty="0"/>
+              <a:rPr kumimoji="1" lang="zh-CN" altLang="en-US" dirty="0"/>
+              <a:t>示例：一阶系统分析图示例</a:t>
+            </a:r>
           </a:p>
         </p:txBody>
       </p:sp>
       <p:pic>
         <p:nvPicPr>
-          <p:cNvPr id="4" name="图片 3"/>
+          <p:cNvPr id="4" name="图片 3">
+            <a:extLst>
+              <a:ext uri="{FF2B5EF4-FFF2-40B4-BE49-F238E27FC236}">
+                <a16:creationId xmlns:a16="http://schemas.microsoft.com/office/drawing/2014/main" id="{8EB18C7B-CD01-FB45-AC74-41BF6BBEED94}"/>
+              </a:ext>
+            </a:extLst>
+          </p:cNvPr>
           <p:cNvPicPr>
             <a:picLocks noChangeAspect="1"/>
           </p:cNvPicPr>
@@ -10421,152 +10879,18 @@
         </p:blipFill>
         <p:spPr>
           <a:xfrm>
-            <a:off x="837828" y="3212976"/>
-            <a:ext cx="3959281" cy="2785680"/>
+            <a:off x="3574132" y="2132856"/>
+            <a:ext cx="6319621" cy="3345361"/>
           </a:xfrm>
           <a:prstGeom prst="rect">
             <a:avLst/>
           </a:prstGeom>
         </p:spPr>
       </p:pic>
-      <p:pic>
-        <p:nvPicPr>
-          <p:cNvPr id="5" name="图片 4"/>
-          <p:cNvPicPr>
-            <a:picLocks noChangeAspect="1"/>
-          </p:cNvPicPr>
-          <p:nvPr/>
-        </p:nvPicPr>
-        <p:blipFill>
-          <a:blip r:embed="rId3"/>
-          <a:stretch>
-            <a:fillRect/>
-          </a:stretch>
-        </p:blipFill>
-        <p:spPr>
-          <a:xfrm>
-            <a:off x="5230316" y="3172460"/>
-            <a:ext cx="3667411" cy="2340480"/>
-          </a:xfrm>
-          <a:prstGeom prst="rect">
-            <a:avLst/>
-          </a:prstGeom>
-        </p:spPr>
-      </p:pic>
-      <p:sp>
-        <p:nvSpPr>
-          <p:cNvPr id="6" name="右箭头 5"/>
-          <p:cNvSpPr/>
-          <p:nvPr/>
-        </p:nvSpPr>
-        <p:spPr>
-          <a:xfrm>
-            <a:off x="4658644" y="4149079"/>
-            <a:ext cx="504056" cy="1080120"/>
-          </a:xfrm>
-          <a:prstGeom prst="rightArrow">
-            <a:avLst/>
-          </a:prstGeom>
-        </p:spPr>
-        <p:style>
-          <a:lnRef idx="2">
-            <a:schemeClr val="accent1">
-              <a:shade val="50000"/>
-            </a:schemeClr>
-          </a:lnRef>
-          <a:fillRef idx="1">
-            <a:schemeClr val="accent1"/>
-          </a:fillRef>
-          <a:effectRef idx="0">
-            <a:schemeClr val="accent1"/>
-          </a:effectRef>
-          <a:fontRef idx="minor">
-            <a:schemeClr val="lt1"/>
-          </a:fontRef>
-        </p:style>
-        <p:txBody>
-          <a:bodyPr rtlCol="0" anchor="ctr"/>
-          <a:lstStyle/>
-          <a:p>
-            <a:pPr algn="ctr"/>
-            <a:endParaRPr lang="zh-CN" altLang="en-US"/>
-          </a:p>
-        </p:txBody>
-      </p:sp>
-      <p:sp>
-        <p:nvSpPr>
-          <p:cNvPr id="8" name="文本框 7"/>
-          <p:cNvSpPr txBox="1"/>
-          <p:nvPr/>
-        </p:nvSpPr>
-        <p:spPr>
-          <a:xfrm>
-            <a:off x="8645177" y="4365974"/>
-            <a:ext cx="2678938" cy="757130"/>
-          </a:xfrm>
-          <a:prstGeom prst="rect">
-            <a:avLst/>
-          </a:prstGeom>
-          <a:noFill/>
-        </p:spPr>
-        <p:txBody>
-          <a:bodyPr wrap="none" rtlCol="0">
-            <a:spAutoFit/>
-          </a:bodyPr>
-          <a:lstStyle/>
-          <a:p>
-            <a:pPr>
-              <a:lnSpc>
-                <a:spcPct val="120000"/>
-              </a:lnSpc>
-            </a:pPr>
-            <a:r>
-              <a:rPr lang="zh-CN" altLang="en-US" dirty="0"/>
-              <a:t>本金</a:t>
-            </a:r>
-            <a:r>
-              <a:rPr lang="en-US" altLang="zh-CN" dirty="0"/>
-              <a:t>=INTEG(</a:t>
-            </a:r>
-            <a:r>
-              <a:rPr lang="zh-CN" altLang="en-US" dirty="0"/>
-              <a:t>利息，</a:t>
-            </a:r>
-            <a:r>
-              <a:rPr lang="en-US" altLang="zh-CN" dirty="0"/>
-              <a:t>20</a:t>
-            </a:r>
-            <a:r>
-              <a:rPr lang="zh-CN" altLang="en-US" dirty="0"/>
-              <a:t>）</a:t>
-            </a:r>
-            <a:endParaRPr lang="en-US" altLang="zh-CN" dirty="0"/>
-          </a:p>
-          <a:p>
-            <a:pPr>
-              <a:lnSpc>
-                <a:spcPct val="120000"/>
-              </a:lnSpc>
-            </a:pPr>
-            <a:r>
-              <a:rPr lang="zh-CN" altLang="en-US" dirty="0"/>
-              <a:t>利息</a:t>
-            </a:r>
-            <a:r>
-              <a:rPr lang="en-US" altLang="zh-CN" dirty="0"/>
-              <a:t>=0.07</a:t>
-            </a:r>
-            <a:r>
-              <a:rPr lang="zh-CN" altLang="en-US" dirty="0"/>
-              <a:t>*本金</a:t>
-            </a:r>
-          </a:p>
-        </p:txBody>
-      </p:sp>
     </p:spTree>
     <p:extLst>
       <p:ext uri="{BB962C8B-B14F-4D97-AF65-F5344CB8AC3E}">
-        <p14:creationId xmlns:p14="http://schemas.microsoft.com/office/powerpoint/2010/main" val="4028793212"/>
+        <p14:creationId xmlns:p14="http://schemas.microsoft.com/office/powerpoint/2010/main" val="1200002954"/>
       </p:ext>
     </p:extLst>
   </p:cSld>
@@ -10607,7 +10931,13 @@
       </p:grpSpPr>
       <p:sp>
         <p:nvSpPr>
-          <p:cNvPr id="2" name="标题 1"/>
+          <p:cNvPr id="2" name="标题 1">
+            <a:extLst>
+              <a:ext uri="{FF2B5EF4-FFF2-40B4-BE49-F238E27FC236}">
+                <a16:creationId xmlns:a16="http://schemas.microsoft.com/office/drawing/2014/main" id="{1A87D6C6-8A84-7F4E-997A-0199F0E93EE6}"/>
+              </a:ext>
+            </a:extLst>
+          </p:cNvPr>
           <p:cNvSpPr>
             <a:spLocks noGrp="1"/>
           </p:cNvSpPr>
@@ -10621,58 +10951,21 @@
           <a:lstStyle/>
           <a:p>
             <a:r>
-              <a:rPr lang="zh-CN" altLang="en-US" dirty="0"/>
-              <a:t>正反馈的基本结构</a:t>
-            </a:r>
-          </a:p>
-        </p:txBody>
-      </p:sp>
-      <p:sp>
-        <p:nvSpPr>
-          <p:cNvPr id="3" name="内容占位符 2"/>
-          <p:cNvSpPr>
-            <a:spLocks noGrp="1"/>
-          </p:cNvSpPr>
-          <p:nvPr>
-            <p:ph idx="1"/>
-          </p:nvPr>
-        </p:nvSpPr>
-        <p:spPr/>
-        <p:txBody>
-          <a:bodyPr/>
-          <a:lstStyle/>
-          <a:p>
-            <a:r>
-              <a:rPr lang="zh-CN" altLang="en-US" dirty="0"/>
-              <a:t>存量</a:t>
-            </a:r>
-            <a:endParaRPr lang="en-US" altLang="zh-CN" dirty="0"/>
-          </a:p>
-          <a:p>
-            <a:r>
-              <a:rPr lang="zh-CN" altLang="en-US" dirty="0"/>
-              <a:t>流量</a:t>
-            </a:r>
-            <a:endParaRPr lang="en-US" altLang="zh-CN" dirty="0"/>
-          </a:p>
-          <a:p>
-            <a:r>
-              <a:rPr lang="zh-CN" altLang="en-US" dirty="0"/>
-              <a:t>参数</a:t>
-            </a:r>
-            <a:endParaRPr lang="en-US" altLang="zh-CN" dirty="0"/>
-          </a:p>
-          <a:p>
-            <a:r>
-              <a:rPr lang="zh-CN" altLang="en-US" dirty="0"/>
-              <a:t>反馈链</a:t>
+              <a:rPr kumimoji="1" lang="zh-CN" altLang="en-US" dirty="0"/>
+              <a:t>示例：一阶系统流图示例</a:t>
             </a:r>
           </a:p>
         </p:txBody>
       </p:sp>
       <p:pic>
         <p:nvPicPr>
-          <p:cNvPr id="4" name="图片 3"/>
+          <p:cNvPr id="4" name="图片 3">
+            <a:extLst>
+              <a:ext uri="{FF2B5EF4-FFF2-40B4-BE49-F238E27FC236}">
+                <a16:creationId xmlns:a16="http://schemas.microsoft.com/office/drawing/2014/main" id="{C90DB5BD-DB9B-7841-9FC3-97B7E83C586C}"/>
+              </a:ext>
+            </a:extLst>
+          </p:cNvPr>
           <p:cNvPicPr>
             <a:picLocks noChangeAspect="1"/>
           </p:cNvPicPr>
@@ -10686,32 +10979,8 @@
         </p:blipFill>
         <p:spPr>
           <a:xfrm>
-            <a:off x="7606580" y="177800"/>
-            <a:ext cx="4048111" cy="2264160"/>
-          </a:xfrm>
-          <a:prstGeom prst="rect">
-            <a:avLst/>
-          </a:prstGeom>
-        </p:spPr>
-      </p:pic>
-      <p:pic>
-        <p:nvPicPr>
-          <p:cNvPr id="5" name="图片 4"/>
-          <p:cNvPicPr>
-            <a:picLocks noChangeAspect="1"/>
-          </p:cNvPicPr>
-          <p:nvPr/>
-        </p:nvPicPr>
-        <p:blipFill>
-          <a:blip r:embed="rId3"/>
-          <a:stretch>
-            <a:fillRect/>
-          </a:stretch>
-        </p:blipFill>
-        <p:spPr>
-          <a:xfrm>
-            <a:off x="7282984" y="2607840"/>
-            <a:ext cx="4695301" cy="2556720"/>
+            <a:off x="2559352" y="1417637"/>
+            <a:ext cx="7070120" cy="5017865"/>
           </a:xfrm>
           <a:prstGeom prst="rect">
             <a:avLst/>
@@ -10721,7 +10990,7 @@
     </p:spTree>
     <p:extLst>
       <p:ext uri="{BB962C8B-B14F-4D97-AF65-F5344CB8AC3E}">
-        <p14:creationId xmlns:p14="http://schemas.microsoft.com/office/powerpoint/2010/main" val="2363475702"/>
+        <p14:creationId xmlns:p14="http://schemas.microsoft.com/office/powerpoint/2010/main" val="1293670999"/>
       </p:ext>
     </p:extLst>
   </p:cSld>
@@ -10777,7 +11046,7 @@
           <a:p>
             <a:r>
               <a:rPr lang="zh-CN" altLang="en-US" dirty="0"/>
-              <a:t>正反馈基本趋势</a:t>
+              <a:t>一、一阶正反馈</a:t>
             </a:r>
           </a:p>
         </p:txBody>
@@ -10792,172 +11061,49 @@
             <p:ph idx="1"/>
           </p:nvPr>
         </p:nvSpPr>
-        <p:spPr>
-          <a:xfrm>
-            <a:off x="1593436" y="1600200"/>
-            <a:ext cx="6301175" cy="4572000"/>
-          </a:xfrm>
-        </p:spPr>
+        <p:spPr/>
         <p:txBody>
           <a:bodyPr/>
           <a:lstStyle/>
           <a:p>
             <a:r>
               <a:rPr lang="zh-CN" altLang="en-US" dirty="0"/>
-              <a:t>建立一个简单正反馈模型</a:t>
+              <a:t>复利</a:t>
             </a:r>
             <a:endParaRPr lang="en-US" altLang="zh-CN" dirty="0"/>
           </a:p>
           <a:p>
-            <a:pPr marL="0" indent="0">
-              <a:buNone/>
-            </a:pPr>
-            <a:r>
-              <a:rPr lang="zh-CN" altLang="en-US" sz="1800" dirty="0">
-                <a:solidFill>
-                  <a:srgbClr val="7030A0"/>
-                </a:solidFill>
-                <a:latin typeface="华文楷体" panose="02010600040101010101" pitchFamily="2" charset="-122"/>
-                <a:ea typeface="华文楷体" panose="02010600040101010101" pitchFamily="2" charset="-122"/>
-              </a:rPr>
-              <a:t>状态</a:t>
-            </a:r>
-            <a:r>
-              <a:rPr lang="en-US" altLang="zh-CN" sz="1800" dirty="0">
-                <a:solidFill>
-                  <a:srgbClr val="7030A0"/>
-                </a:solidFill>
-                <a:latin typeface="华文楷体" panose="02010600040101010101" pitchFamily="2" charset="-122"/>
-                <a:ea typeface="华文楷体" panose="02010600040101010101" pitchFamily="2" charset="-122"/>
-              </a:rPr>
-              <a:t>=INTEG(</a:t>
-            </a:r>
-            <a:r>
-              <a:rPr lang="zh-CN" altLang="en-US" sz="1800" dirty="0">
-                <a:solidFill>
-                  <a:srgbClr val="7030A0"/>
-                </a:solidFill>
-                <a:latin typeface="华文楷体" panose="02010600040101010101" pitchFamily="2" charset="-122"/>
-                <a:ea typeface="华文楷体" panose="02010600040101010101" pitchFamily="2" charset="-122"/>
-              </a:rPr>
-              <a:t>速率，</a:t>
-            </a:r>
-            <a:r>
-              <a:rPr lang="en-US" altLang="zh-CN" sz="1800" dirty="0">
-                <a:solidFill>
-                  <a:srgbClr val="7030A0"/>
-                </a:solidFill>
-                <a:latin typeface="华文楷体" panose="02010600040101010101" pitchFamily="2" charset="-122"/>
-                <a:ea typeface="华文楷体" panose="02010600040101010101" pitchFamily="2" charset="-122"/>
-              </a:rPr>
-              <a:t>0</a:t>
-            </a:r>
-            <a:r>
-              <a:rPr lang="zh-CN" altLang="en-US" sz="1800" dirty="0">
-                <a:solidFill>
-                  <a:srgbClr val="7030A0"/>
-                </a:solidFill>
-                <a:latin typeface="华文楷体" panose="02010600040101010101" pitchFamily="2" charset="-122"/>
-                <a:ea typeface="华文楷体" panose="02010600040101010101" pitchFamily="2" charset="-122"/>
-              </a:rPr>
-              <a:t>）</a:t>
-            </a:r>
-            <a:endParaRPr lang="en-US" altLang="zh-CN" sz="1800" dirty="0">
-              <a:solidFill>
-                <a:srgbClr val="7030A0"/>
-              </a:solidFill>
-              <a:latin typeface="华文楷体" panose="02010600040101010101" pitchFamily="2" charset="-122"/>
-              <a:ea typeface="华文楷体" panose="02010600040101010101" pitchFamily="2" charset="-122"/>
-            </a:endParaRPr>
-          </a:p>
-          <a:p>
-            <a:pPr marL="0" indent="0">
-              <a:buNone/>
-            </a:pPr>
-            <a:r>
-              <a:rPr lang="zh-CN" altLang="en-US" sz="1800" dirty="0">
-                <a:solidFill>
-                  <a:srgbClr val="7030A0"/>
-                </a:solidFill>
-                <a:latin typeface="华文楷体" panose="02010600040101010101" pitchFamily="2" charset="-122"/>
-                <a:ea typeface="华文楷体" panose="02010600040101010101" pitchFamily="2" charset="-122"/>
-              </a:rPr>
-              <a:t>速率</a:t>
-            </a:r>
-            <a:r>
-              <a:rPr lang="en-US" altLang="zh-CN" sz="1800" dirty="0">
-                <a:solidFill>
-                  <a:srgbClr val="7030A0"/>
-                </a:solidFill>
-                <a:latin typeface="华文楷体" panose="02010600040101010101" pitchFamily="2" charset="-122"/>
-                <a:ea typeface="华文楷体" panose="02010600040101010101" pitchFamily="2" charset="-122"/>
-              </a:rPr>
-              <a:t>=</a:t>
-            </a:r>
-            <a:r>
-              <a:rPr lang="zh-CN" altLang="en-US" sz="1800" dirty="0">
-                <a:solidFill>
-                  <a:srgbClr val="7030A0"/>
-                </a:solidFill>
-                <a:latin typeface="华文楷体" panose="02010600040101010101" pitchFamily="2" charset="-122"/>
-                <a:ea typeface="华文楷体" panose="02010600040101010101" pitchFamily="2" charset="-122"/>
-              </a:rPr>
-              <a:t>参数*状态</a:t>
-            </a:r>
-            <a:endParaRPr lang="en-US" altLang="zh-CN" sz="1800" dirty="0">
-              <a:solidFill>
-                <a:srgbClr val="7030A0"/>
-              </a:solidFill>
-              <a:latin typeface="华文楷体" panose="02010600040101010101" pitchFamily="2" charset="-122"/>
-              <a:ea typeface="华文楷体" panose="02010600040101010101" pitchFamily="2" charset="-122"/>
-            </a:endParaRPr>
-          </a:p>
-          <a:p>
-            <a:pPr marL="0" indent="0">
-              <a:buNone/>
-            </a:pPr>
-            <a:r>
-              <a:rPr lang="zh-CN" altLang="en-US" sz="1800" dirty="0">
-                <a:solidFill>
-                  <a:srgbClr val="7030A0"/>
-                </a:solidFill>
-                <a:latin typeface="华文楷体" panose="02010600040101010101" pitchFamily="2" charset="-122"/>
-                <a:ea typeface="华文楷体" panose="02010600040101010101" pitchFamily="2" charset="-122"/>
-              </a:rPr>
-              <a:t>参数</a:t>
-            </a:r>
-            <a:r>
-              <a:rPr lang="en-US" altLang="zh-CN" sz="1800" dirty="0">
-                <a:solidFill>
-                  <a:srgbClr val="7030A0"/>
-                </a:solidFill>
-                <a:latin typeface="华文楷体" panose="02010600040101010101" pitchFamily="2" charset="-122"/>
-                <a:ea typeface="华文楷体" panose="02010600040101010101" pitchFamily="2" charset="-122"/>
-              </a:rPr>
-              <a:t>=0.25</a:t>
-            </a:r>
-          </a:p>
-          <a:p>
-            <a:pPr marL="0" indent="0">
-              <a:buNone/>
-            </a:pPr>
-            <a:r>
-              <a:rPr lang="zh-CN" altLang="en-US" sz="2400" dirty="0"/>
-              <a:t>观察存量状态的变化特点</a:t>
-            </a:r>
-            <a:endParaRPr lang="en-US" altLang="zh-CN" sz="2400" dirty="0"/>
-          </a:p>
-          <a:p>
-            <a:pPr marL="0" indent="0">
-              <a:buNone/>
-            </a:pPr>
-            <a:endParaRPr lang="zh-CN" altLang="en-US" sz="1800" dirty="0">
-              <a:solidFill>
-                <a:srgbClr val="7030A0"/>
-              </a:solidFill>
-              <a:latin typeface="华文楷体" panose="02010600040101010101" pitchFamily="2" charset="-122"/>
-              <a:ea typeface="华文楷体" panose="02010600040101010101" pitchFamily="2" charset="-122"/>
-            </a:endParaRPr>
+            <a:pPr lvl="1"/>
+            <a:r>
+              <a:rPr lang="zh-CN" altLang="en-US" dirty="0"/>
+              <a:t>银行本金</a:t>
+            </a:r>
+            <a:r>
+              <a:rPr lang="en-US" altLang="zh-CN" dirty="0"/>
+              <a:t>20</a:t>
+            </a:r>
+            <a:r>
+              <a:rPr lang="zh-CN" altLang="en-US" dirty="0"/>
+              <a:t>万元，如果按照利息每年百分之</a:t>
+            </a:r>
+            <a:r>
+              <a:rPr lang="en-US" altLang="zh-CN" dirty="0"/>
+              <a:t>7</a:t>
+            </a:r>
+            <a:r>
+              <a:rPr lang="zh-CN" altLang="en-US" dirty="0"/>
+              <a:t>算，二十年后本金将会是多少，一百年后是多少，这个过程中本金是沿什么轨迹增长的</a:t>
+            </a:r>
+            <a:endParaRPr lang="en-US" altLang="zh-CN" dirty="0"/>
+          </a:p>
+          <a:p>
+            <a:endParaRPr lang="en-US" altLang="zh-CN" dirty="0"/>
+          </a:p>
+          <a:p>
+            <a:endParaRPr lang="en-US" altLang="zh-CN" dirty="0"/>
+          </a:p>
+          <a:p>
+            <a:endParaRPr lang="zh-CN" altLang="en-US" dirty="0"/>
           </a:p>
         </p:txBody>
       </p:sp>
@@ -10977,8 +11123,8 @@
         </p:blipFill>
         <p:spPr>
           <a:xfrm>
-            <a:off x="6958508" y="2992735"/>
-            <a:ext cx="4694312" cy="3129541"/>
+            <a:off x="837828" y="3212976"/>
+            <a:ext cx="3959281" cy="2785680"/>
           </a:xfrm>
           <a:prstGeom prst="rect">
             <a:avLst/>
@@ -11001,8 +11147,8 @@
         </p:blipFill>
         <p:spPr>
           <a:xfrm>
-            <a:off x="6957519" y="0"/>
-            <a:ext cx="4695301" cy="2556720"/>
+            <a:off x="5230316" y="3172460"/>
+            <a:ext cx="3667411" cy="2340480"/>
           </a:xfrm>
           <a:prstGeom prst="rect">
             <a:avLst/>
@@ -11011,57 +11157,18 @@
       </p:pic>
       <p:sp>
         <p:nvSpPr>
-          <p:cNvPr id="6" name="文本框 5"/>
-          <p:cNvSpPr txBox="1"/>
+          <p:cNvPr id="6" name="右箭头 5"/>
+          <p:cNvSpPr/>
           <p:nvPr/>
         </p:nvSpPr>
         <p:spPr>
           <a:xfrm>
-            <a:off x="6889208" y="2352310"/>
-            <a:ext cx="1005403" cy="338554"/>
-          </a:xfrm>
-          <a:prstGeom prst="rect">
+            <a:off x="4658644" y="4149079"/>
+            <a:ext cx="504056" cy="1080120"/>
+          </a:xfrm>
+          <a:prstGeom prst="rightArrow">
             <a:avLst/>
           </a:prstGeom>
-          <a:noFill/>
-        </p:spPr>
-        <p:txBody>
-          <a:bodyPr wrap="none" rtlCol="0">
-            <a:spAutoFit/>
-          </a:bodyPr>
-          <a:lstStyle/>
-          <a:p>
-            <a:r>
-              <a:rPr lang="zh-CN" altLang="en-US" sz="1600" dirty="0">
-                <a:solidFill>
-                  <a:srgbClr val="7030A0"/>
-                </a:solidFill>
-              </a:rPr>
-              <a:t>时间常数</a:t>
-            </a:r>
-          </a:p>
-        </p:txBody>
-      </p:sp>
-      <p:sp>
-        <p:nvSpPr>
-          <p:cNvPr id="7" name="椭圆 6"/>
-          <p:cNvSpPr/>
-          <p:nvPr/>
-        </p:nvSpPr>
-        <p:spPr>
-          <a:xfrm>
-            <a:off x="6814492" y="1550276"/>
-            <a:ext cx="1224136" cy="726596"/>
-          </a:xfrm>
-          <a:prstGeom prst="ellipse">
-            <a:avLst/>
-          </a:prstGeom>
-          <a:noFill/>
-          <a:ln>
-            <a:solidFill>
-              <a:srgbClr val="FF0000"/>
-            </a:solidFill>
-          </a:ln>
         </p:spPr>
         <p:style>
           <a:lnRef idx="2">
@@ -11088,10 +11195,80 @@
           </a:p>
         </p:txBody>
       </p:sp>
+      <p:sp>
+        <p:nvSpPr>
+          <p:cNvPr id="8" name="文本框 7"/>
+          <p:cNvSpPr txBox="1"/>
+          <p:nvPr/>
+        </p:nvSpPr>
+        <p:spPr>
+          <a:xfrm>
+            <a:off x="8645177" y="4365974"/>
+            <a:ext cx="2678938" cy="757130"/>
+          </a:xfrm>
+          <a:prstGeom prst="rect">
+            <a:avLst/>
+          </a:prstGeom>
+          <a:noFill/>
+        </p:spPr>
+        <p:txBody>
+          <a:bodyPr wrap="none" rtlCol="0">
+            <a:spAutoFit/>
+          </a:bodyPr>
+          <a:lstStyle/>
+          <a:p>
+            <a:pPr>
+              <a:lnSpc>
+                <a:spcPct val="120000"/>
+              </a:lnSpc>
+            </a:pPr>
+            <a:r>
+              <a:rPr lang="zh-CN" altLang="en-US" dirty="0"/>
+              <a:t>本金</a:t>
+            </a:r>
+            <a:r>
+              <a:rPr lang="en-US" altLang="zh-CN" dirty="0"/>
+              <a:t>=INTEG(</a:t>
+            </a:r>
+            <a:r>
+              <a:rPr lang="zh-CN" altLang="en-US" dirty="0"/>
+              <a:t>利息，</a:t>
+            </a:r>
+            <a:r>
+              <a:rPr lang="en-US" altLang="zh-CN" dirty="0"/>
+              <a:t>20</a:t>
+            </a:r>
+            <a:r>
+              <a:rPr lang="zh-CN" altLang="en-US" dirty="0"/>
+              <a:t>）</a:t>
+            </a:r>
+            <a:endParaRPr lang="en-US" altLang="zh-CN" dirty="0"/>
+          </a:p>
+          <a:p>
+            <a:pPr>
+              <a:lnSpc>
+                <a:spcPct val="120000"/>
+              </a:lnSpc>
+            </a:pPr>
+            <a:r>
+              <a:rPr lang="zh-CN" altLang="en-US" dirty="0"/>
+              <a:t>利息</a:t>
+            </a:r>
+            <a:r>
+              <a:rPr lang="en-US" altLang="zh-CN" dirty="0"/>
+              <a:t>=0.07</a:t>
+            </a:r>
+            <a:r>
+              <a:rPr lang="zh-CN" altLang="en-US" dirty="0"/>
+              <a:t>*本金</a:t>
+            </a:r>
+          </a:p>
+        </p:txBody>
+      </p:sp>
     </p:spTree>
     <p:extLst>
       <p:ext uri="{BB962C8B-B14F-4D97-AF65-F5344CB8AC3E}">
-        <p14:creationId xmlns:p14="http://schemas.microsoft.com/office/powerpoint/2010/main" val="847541235"/>
+        <p14:creationId xmlns:p14="http://schemas.microsoft.com/office/powerpoint/2010/main" val="4028793212"/>
       </p:ext>
     </p:extLst>
   </p:cSld>
@@ -11147,7 +11324,7 @@
           <a:p>
             <a:r>
               <a:rPr lang="zh-CN" altLang="en-US" dirty="0"/>
-              <a:t>正反馈的特点</a:t>
+              <a:t>正反馈的基本结构</a:t>
             </a:r>
           </a:p>
         </p:txBody>
@@ -11169,49 +11346,60 @@
           <a:p>
             <a:r>
               <a:rPr lang="zh-CN" altLang="en-US" dirty="0"/>
-              <a:t>正反馈闭合回路中，某一部分的变化引起全体在同一个方向上无休止的变化过程</a:t>
+              <a:t>存量</a:t>
             </a:r>
             <a:endParaRPr lang="en-US" altLang="zh-CN" dirty="0"/>
           </a:p>
           <a:p>
             <a:r>
               <a:rPr lang="zh-CN" altLang="en-US" dirty="0"/>
-              <a:t>基本正反馈结构没有平衡，两种模式</a:t>
+              <a:t>流量</a:t>
             </a:r>
             <a:endParaRPr lang="en-US" altLang="zh-CN" dirty="0"/>
           </a:p>
           <a:p>
-            <a:pPr lvl="1"/>
             <a:r>
               <a:rPr lang="zh-CN" altLang="en-US" dirty="0"/>
-              <a:t>良性循环</a:t>
+              <a:t>参数</a:t>
             </a:r>
             <a:endParaRPr lang="en-US" altLang="zh-CN" dirty="0"/>
           </a:p>
           <a:p>
-            <a:pPr lvl="1"/>
             <a:r>
               <a:rPr lang="zh-CN" altLang="en-US" dirty="0"/>
-              <a:t>恶性循环</a:t>
-            </a:r>
-            <a:endParaRPr lang="en-US" altLang="zh-CN" dirty="0"/>
-          </a:p>
-          <a:p>
-            <a:r>
-              <a:rPr lang="zh-CN" altLang="en-US" dirty="0"/>
-              <a:t>时间常数调节了变化快慢</a:t>
-            </a:r>
-            <a:endParaRPr lang="en-US" altLang="zh-CN" dirty="0"/>
-          </a:p>
-          <a:p>
-            <a:endParaRPr lang="zh-CN" altLang="en-US" dirty="0"/>
-          </a:p>
-        </p:txBody>
-      </p:sp>
+              <a:t>反馈链</a:t>
+            </a:r>
+          </a:p>
+        </p:txBody>
+      </p:sp>
+      <p:pic>
+        <p:nvPicPr>
+          <p:cNvPr id="5" name="图片 4"/>
+          <p:cNvPicPr>
+            <a:picLocks noChangeAspect="1"/>
+          </p:cNvPicPr>
+          <p:nvPr/>
+        </p:nvPicPr>
+        <p:blipFill>
+          <a:blip r:embed="rId2"/>
+          <a:stretch>
+            <a:fillRect/>
+          </a:stretch>
+        </p:blipFill>
+        <p:spPr>
+          <a:xfrm>
+            <a:off x="6326381" y="1327680"/>
+            <a:ext cx="4695301" cy="2556720"/>
+          </a:xfrm>
+          <a:prstGeom prst="rect">
+            <a:avLst/>
+          </a:prstGeom>
+        </p:spPr>
+      </p:pic>
     </p:spTree>
     <p:extLst>
       <p:ext uri="{BB962C8B-B14F-4D97-AF65-F5344CB8AC3E}">
-        <p14:creationId xmlns:p14="http://schemas.microsoft.com/office/powerpoint/2010/main" val="3525053781"/>
+        <p14:creationId xmlns:p14="http://schemas.microsoft.com/office/powerpoint/2010/main" val="2363475702"/>
       </p:ext>
     </p:extLst>
   </p:cSld>
@@ -11267,7 +11455,7 @@
           <a:p>
             <a:r>
               <a:rPr lang="zh-CN" altLang="en-US" dirty="0"/>
-              <a:t>“雪崩效应”</a:t>
+              <a:t>正反馈基本趋势</a:t>
             </a:r>
           </a:p>
         </p:txBody>
@@ -11284,8 +11472,8 @@
         </p:nvSpPr>
         <p:spPr>
           <a:xfrm>
-            <a:off x="1593437" y="1600200"/>
-            <a:ext cx="5725112" cy="4572000"/>
+            <a:off x="1593436" y="1600200"/>
+            <a:ext cx="6301175" cy="4572000"/>
           </a:xfrm>
         </p:spPr>
         <p:txBody>
@@ -11294,15 +11482,160 @@
           <a:p>
             <a:r>
               <a:rPr lang="zh-CN" altLang="en-US" dirty="0"/>
-              <a:t>“滚雪球”、“雪崩效应”是正反馈过程的形象比喻，反应一个发展过程愈演愈烈的增长或者衰减</a:t>
+              <a:t>建立一个简单正反馈模型</a:t>
             </a:r>
             <a:endParaRPr lang="en-US" altLang="zh-CN" dirty="0"/>
           </a:p>
           <a:p>
-            <a:r>
-              <a:rPr lang="zh-CN" altLang="en-US" dirty="0"/>
-              <a:t>正反馈可以形成良性循环和恶性循环两种循环</a:t>
-            </a:r>
+            <a:pPr marL="0" indent="0">
+              <a:buNone/>
+            </a:pPr>
+            <a:r>
+              <a:rPr lang="zh-CN" altLang="en-US" sz="1800" dirty="0">
+                <a:solidFill>
+                  <a:srgbClr val="7030A0"/>
+                </a:solidFill>
+                <a:latin typeface="华文楷体" panose="02010600040101010101" pitchFamily="2" charset="-122"/>
+                <a:ea typeface="华文楷体" panose="02010600040101010101" pitchFamily="2" charset="-122"/>
+              </a:rPr>
+              <a:t>状态</a:t>
+            </a:r>
+            <a:r>
+              <a:rPr lang="en-US" altLang="zh-CN" sz="1800" dirty="0">
+                <a:solidFill>
+                  <a:srgbClr val="7030A0"/>
+                </a:solidFill>
+                <a:latin typeface="华文楷体" panose="02010600040101010101" pitchFamily="2" charset="-122"/>
+                <a:ea typeface="华文楷体" panose="02010600040101010101" pitchFamily="2" charset="-122"/>
+              </a:rPr>
+              <a:t>=INTEG(</a:t>
+            </a:r>
+            <a:r>
+              <a:rPr lang="zh-CN" altLang="en-US" sz="1800" dirty="0">
+                <a:solidFill>
+                  <a:srgbClr val="7030A0"/>
+                </a:solidFill>
+                <a:latin typeface="华文楷体" panose="02010600040101010101" pitchFamily="2" charset="-122"/>
+                <a:ea typeface="华文楷体" panose="02010600040101010101" pitchFamily="2" charset="-122"/>
+              </a:rPr>
+              <a:t>速率，</a:t>
+            </a:r>
+            <a:r>
+              <a:rPr lang="en-US" altLang="zh-CN" sz="1800" dirty="0">
+                <a:solidFill>
+                  <a:srgbClr val="7030A0"/>
+                </a:solidFill>
+                <a:latin typeface="华文楷体" panose="02010600040101010101" pitchFamily="2" charset="-122"/>
+                <a:ea typeface="华文楷体" panose="02010600040101010101" pitchFamily="2" charset="-122"/>
+              </a:rPr>
+              <a:t>0</a:t>
+            </a:r>
+            <a:r>
+              <a:rPr lang="zh-CN" altLang="en-US" sz="1800" dirty="0">
+                <a:solidFill>
+                  <a:srgbClr val="7030A0"/>
+                </a:solidFill>
+                <a:latin typeface="华文楷体" panose="02010600040101010101" pitchFamily="2" charset="-122"/>
+                <a:ea typeface="华文楷体" panose="02010600040101010101" pitchFamily="2" charset="-122"/>
+              </a:rPr>
+              <a:t>）</a:t>
+            </a:r>
+            <a:endParaRPr lang="en-US" altLang="zh-CN" sz="1800" dirty="0">
+              <a:solidFill>
+                <a:srgbClr val="7030A0"/>
+              </a:solidFill>
+              <a:latin typeface="华文楷体" panose="02010600040101010101" pitchFamily="2" charset="-122"/>
+              <a:ea typeface="华文楷体" panose="02010600040101010101" pitchFamily="2" charset="-122"/>
+            </a:endParaRPr>
+          </a:p>
+          <a:p>
+            <a:pPr marL="0" indent="0">
+              <a:buNone/>
+            </a:pPr>
+            <a:r>
+              <a:rPr lang="zh-CN" altLang="en-US" sz="1800" dirty="0">
+                <a:solidFill>
+                  <a:srgbClr val="7030A0"/>
+                </a:solidFill>
+                <a:latin typeface="华文楷体" panose="02010600040101010101" pitchFamily="2" charset="-122"/>
+                <a:ea typeface="华文楷体" panose="02010600040101010101" pitchFamily="2" charset="-122"/>
+              </a:rPr>
+              <a:t>速率</a:t>
+            </a:r>
+            <a:r>
+              <a:rPr lang="en-US" altLang="zh-CN" sz="1800" dirty="0">
+                <a:solidFill>
+                  <a:srgbClr val="7030A0"/>
+                </a:solidFill>
+                <a:latin typeface="华文楷体" panose="02010600040101010101" pitchFamily="2" charset="-122"/>
+                <a:ea typeface="华文楷体" panose="02010600040101010101" pitchFamily="2" charset="-122"/>
+              </a:rPr>
+              <a:t>=</a:t>
+            </a:r>
+            <a:r>
+              <a:rPr lang="zh-CN" altLang="en-US" sz="1800" dirty="0">
+                <a:solidFill>
+                  <a:srgbClr val="7030A0"/>
+                </a:solidFill>
+                <a:latin typeface="华文楷体" panose="02010600040101010101" pitchFamily="2" charset="-122"/>
+                <a:ea typeface="华文楷体" panose="02010600040101010101" pitchFamily="2" charset="-122"/>
+              </a:rPr>
+              <a:t>参数*状态</a:t>
+            </a:r>
+            <a:endParaRPr lang="en-US" altLang="zh-CN" sz="1800" dirty="0">
+              <a:solidFill>
+                <a:srgbClr val="7030A0"/>
+              </a:solidFill>
+              <a:latin typeface="华文楷体" panose="02010600040101010101" pitchFamily="2" charset="-122"/>
+              <a:ea typeface="华文楷体" panose="02010600040101010101" pitchFamily="2" charset="-122"/>
+            </a:endParaRPr>
+          </a:p>
+          <a:p>
+            <a:pPr marL="0" indent="0">
+              <a:buNone/>
+            </a:pPr>
+            <a:r>
+              <a:rPr lang="zh-CN" altLang="en-US" sz="1800" dirty="0">
+                <a:solidFill>
+                  <a:srgbClr val="7030A0"/>
+                </a:solidFill>
+                <a:latin typeface="华文楷体" panose="02010600040101010101" pitchFamily="2" charset="-122"/>
+                <a:ea typeface="华文楷体" panose="02010600040101010101" pitchFamily="2" charset="-122"/>
+              </a:rPr>
+              <a:t>参数</a:t>
+            </a:r>
+            <a:r>
+              <a:rPr lang="en-US" altLang="zh-CN" sz="1800" dirty="0">
+                <a:solidFill>
+                  <a:srgbClr val="7030A0"/>
+                </a:solidFill>
+                <a:latin typeface="华文楷体" panose="02010600040101010101" pitchFamily="2" charset="-122"/>
+                <a:ea typeface="华文楷体" panose="02010600040101010101" pitchFamily="2" charset="-122"/>
+              </a:rPr>
+              <a:t>=0.25</a:t>
+            </a:r>
+          </a:p>
+          <a:p>
+            <a:pPr marL="0" indent="0">
+              <a:buNone/>
+            </a:pPr>
+            <a:r>
+              <a:rPr lang="zh-CN" altLang="en-US" sz="2400" dirty="0"/>
+              <a:t>观察存量状态的变化特点</a:t>
+            </a:r>
+            <a:endParaRPr lang="en-US" altLang="zh-CN" sz="2400" dirty="0"/>
+          </a:p>
+          <a:p>
+            <a:pPr marL="0" indent="0">
+              <a:buNone/>
+            </a:pPr>
+            <a:endParaRPr lang="zh-CN" altLang="en-US" sz="1800" dirty="0">
+              <a:solidFill>
+                <a:srgbClr val="7030A0"/>
+              </a:solidFill>
+              <a:latin typeface="华文楷体" panose="02010600040101010101" pitchFamily="2" charset="-122"/>
+              <a:ea typeface="华文楷体" panose="02010600040101010101" pitchFamily="2" charset="-122"/>
+            </a:endParaRPr>
           </a:p>
         </p:txBody>
       </p:sp>
@@ -11322,18 +11655,121 @@
         </p:blipFill>
         <p:spPr>
           <a:xfrm>
-            <a:off x="7102524" y="1399244"/>
-            <a:ext cx="4619161" cy="4019521"/>
+            <a:off x="6958508" y="2992735"/>
+            <a:ext cx="4694312" cy="3129541"/>
           </a:xfrm>
           <a:prstGeom prst="rect">
             <a:avLst/>
           </a:prstGeom>
         </p:spPr>
       </p:pic>
+      <p:pic>
+        <p:nvPicPr>
+          <p:cNvPr id="5" name="图片 4"/>
+          <p:cNvPicPr>
+            <a:picLocks noChangeAspect="1"/>
+          </p:cNvPicPr>
+          <p:nvPr/>
+        </p:nvPicPr>
+        <p:blipFill>
+          <a:blip r:embed="rId3"/>
+          <a:stretch>
+            <a:fillRect/>
+          </a:stretch>
+        </p:blipFill>
+        <p:spPr>
+          <a:xfrm>
+            <a:off x="6957519" y="0"/>
+            <a:ext cx="4695301" cy="2556720"/>
+          </a:xfrm>
+          <a:prstGeom prst="rect">
+            <a:avLst/>
+          </a:prstGeom>
+        </p:spPr>
+      </p:pic>
+      <p:sp>
+        <p:nvSpPr>
+          <p:cNvPr id="6" name="文本框 5"/>
+          <p:cNvSpPr txBox="1"/>
+          <p:nvPr/>
+        </p:nvSpPr>
+        <p:spPr>
+          <a:xfrm>
+            <a:off x="6889208" y="2352310"/>
+            <a:ext cx="1005403" cy="338554"/>
+          </a:xfrm>
+          <a:prstGeom prst="rect">
+            <a:avLst/>
+          </a:prstGeom>
+          <a:noFill/>
+        </p:spPr>
+        <p:txBody>
+          <a:bodyPr wrap="none" rtlCol="0">
+            <a:spAutoFit/>
+          </a:bodyPr>
+          <a:lstStyle/>
+          <a:p>
+            <a:r>
+              <a:rPr lang="zh-CN" altLang="en-US" sz="1600" dirty="0">
+                <a:solidFill>
+                  <a:srgbClr val="7030A0"/>
+                </a:solidFill>
+              </a:rPr>
+              <a:t>时间常数</a:t>
+            </a:r>
+          </a:p>
+        </p:txBody>
+      </p:sp>
+      <p:sp>
+        <p:nvSpPr>
+          <p:cNvPr id="7" name="椭圆 6"/>
+          <p:cNvSpPr/>
+          <p:nvPr/>
+        </p:nvSpPr>
+        <p:spPr>
+          <a:xfrm>
+            <a:off x="6814492" y="1550276"/>
+            <a:ext cx="1224136" cy="726596"/>
+          </a:xfrm>
+          <a:prstGeom prst="ellipse">
+            <a:avLst/>
+          </a:prstGeom>
+          <a:noFill/>
+          <a:ln>
+            <a:solidFill>
+              <a:srgbClr val="FF0000"/>
+            </a:solidFill>
+          </a:ln>
+        </p:spPr>
+        <p:style>
+          <a:lnRef idx="2">
+            <a:schemeClr val="accent1">
+              <a:shade val="50000"/>
+            </a:schemeClr>
+          </a:lnRef>
+          <a:fillRef idx="1">
+            <a:schemeClr val="accent1"/>
+          </a:fillRef>
+          <a:effectRef idx="0">
+            <a:schemeClr val="accent1"/>
+          </a:effectRef>
+          <a:fontRef idx="minor">
+            <a:schemeClr val="lt1"/>
+          </a:fontRef>
+        </p:style>
+        <p:txBody>
+          <a:bodyPr rtlCol="0" anchor="ctr"/>
+          <a:lstStyle/>
+          <a:p>
+            <a:pPr algn="ctr"/>
+            <a:endParaRPr lang="zh-CN" altLang="en-US"/>
+          </a:p>
+        </p:txBody>
+      </p:sp>
     </p:spTree>
     <p:extLst>
       <p:ext uri="{BB962C8B-B14F-4D97-AF65-F5344CB8AC3E}">
-        <p14:creationId xmlns:p14="http://schemas.microsoft.com/office/powerpoint/2010/main" val="1606237277"/>
+        <p14:creationId xmlns:p14="http://schemas.microsoft.com/office/powerpoint/2010/main" val="847541235"/>
       </p:ext>
     </p:extLst>
   </p:cSld>
@@ -11389,7 +11825,7 @@
           <a:p>
             <a:r>
               <a:rPr lang="zh-CN" altLang="en-US" dirty="0"/>
-              <a:t>二、一阶负反馈结构</a:t>
+              <a:t>正反馈的特点</a:t>
             </a:r>
           </a:p>
         </p:txBody>
@@ -11411,15 +11847,22 @@
           <a:p>
             <a:r>
               <a:rPr lang="zh-CN" altLang="en-US" dirty="0"/>
-              <a:t>负反馈结构</a:t>
+              <a:t>正反馈闭合回路中，某一部分的变化引起全体在同一个方向上无休止的变化过程</a:t>
             </a:r>
             <a:endParaRPr lang="en-US" altLang="zh-CN" dirty="0"/>
           </a:p>
           <a:p>
+            <a:r>
+              <a:rPr lang="zh-CN" altLang="en-US" dirty="0"/>
+              <a:t>基本正反馈结构没有平衡，两种模式</a:t>
+            </a:r>
+            <a:endParaRPr lang="en-US" altLang="zh-CN" dirty="0"/>
+          </a:p>
+          <a:p>
             <a:pPr lvl="1"/>
             <a:r>
               <a:rPr lang="zh-CN" altLang="en-US" dirty="0"/>
-              <a:t>隔离法（开环分析）：传导回来的反馈被弱化</a:t>
+              <a:t>良性循环</a:t>
             </a:r>
             <a:endParaRPr lang="en-US" altLang="zh-CN" dirty="0"/>
           </a:p>
@@ -11427,124 +11870,26 @@
             <a:pPr lvl="1"/>
             <a:r>
               <a:rPr lang="zh-CN" altLang="en-US" dirty="0"/>
-              <a:t>反馈回路呈现趋向平衡点的变化</a:t>
+              <a:t>恶性循环</a:t>
             </a:r>
             <a:endParaRPr lang="en-US" altLang="zh-CN" dirty="0"/>
           </a:p>
           <a:p>
-            <a:pPr lvl="1"/>
             <a:r>
               <a:rPr lang="zh-CN" altLang="en-US" dirty="0"/>
-              <a:t>指数的变化路径</a:t>
-            </a:r>
-          </a:p>
-        </p:txBody>
-      </p:sp>
-      <p:pic>
-        <p:nvPicPr>
-          <p:cNvPr id="4" name="图片 3"/>
-          <p:cNvPicPr>
-            <a:picLocks noChangeAspect="1"/>
-          </p:cNvPicPr>
-          <p:nvPr/>
-        </p:nvPicPr>
-        <p:blipFill>
-          <a:blip r:embed="rId2"/>
-          <a:stretch>
-            <a:fillRect/>
-          </a:stretch>
-        </p:blipFill>
-        <p:spPr>
-          <a:xfrm>
-            <a:off x="7913308" y="4388011"/>
-            <a:ext cx="3974232" cy="2649488"/>
-          </a:xfrm>
-          <a:prstGeom prst="rect">
-            <a:avLst/>
-          </a:prstGeom>
-        </p:spPr>
-      </p:pic>
-      <p:pic>
-        <p:nvPicPr>
-          <p:cNvPr id="5" name="图片 4"/>
-          <p:cNvPicPr>
-            <a:picLocks noChangeAspect="1"/>
-          </p:cNvPicPr>
-          <p:nvPr/>
-        </p:nvPicPr>
-        <p:blipFill>
-          <a:blip r:embed="rId3"/>
-          <a:stretch>
-            <a:fillRect/>
-          </a:stretch>
-        </p:blipFill>
-        <p:spPr>
-          <a:xfrm>
-            <a:off x="8110636" y="2075683"/>
-            <a:ext cx="3781621" cy="2365920"/>
-          </a:xfrm>
-          <a:prstGeom prst="rect">
-            <a:avLst/>
-          </a:prstGeom>
-        </p:spPr>
-      </p:pic>
-      <p:pic>
-        <p:nvPicPr>
-          <p:cNvPr id="7" name="图片 6"/>
-          <p:cNvPicPr>
-            <a:picLocks noChangeAspect="1"/>
-          </p:cNvPicPr>
-          <p:nvPr/>
-        </p:nvPicPr>
-        <p:blipFill>
-          <a:blip r:embed="rId4"/>
-          <a:stretch>
-            <a:fillRect/>
-          </a:stretch>
-        </p:blipFill>
-        <p:spPr>
-          <a:xfrm>
-            <a:off x="8284865" y="107706"/>
-            <a:ext cx="3349382" cy="1876696"/>
-          </a:xfrm>
-          <a:prstGeom prst="rect">
-            <a:avLst/>
-          </a:prstGeom>
-        </p:spPr>
-      </p:pic>
-      <p:sp>
-        <p:nvSpPr>
-          <p:cNvPr id="6" name="文本框 5"/>
-          <p:cNvSpPr txBox="1"/>
-          <p:nvPr/>
-        </p:nvSpPr>
-        <p:spPr>
-          <a:xfrm>
-            <a:off x="5014292" y="5301208"/>
-            <a:ext cx="2492990" cy="369332"/>
-          </a:xfrm>
-          <a:prstGeom prst="rect">
-            <a:avLst/>
-          </a:prstGeom>
-          <a:noFill/>
-        </p:spPr>
-        <p:txBody>
-          <a:bodyPr wrap="none" rtlCol="0">
-            <a:spAutoFit/>
-          </a:bodyPr>
-          <a:lstStyle/>
-          <a:p>
-            <a:r>
-              <a:rPr lang="zh-CN" altLang="en-US" dirty="0"/>
-              <a:t>对比正反馈的变化趋势</a:t>
-            </a:r>
+              <a:t>时间常数调节了变化快慢</a:t>
+            </a:r>
+            <a:endParaRPr lang="en-US" altLang="zh-CN" dirty="0"/>
+          </a:p>
+          <a:p>
+            <a:endParaRPr lang="zh-CN" altLang="en-US" dirty="0"/>
           </a:p>
         </p:txBody>
       </p:sp>
     </p:spTree>
     <p:extLst>
       <p:ext uri="{BB962C8B-B14F-4D97-AF65-F5344CB8AC3E}">
-        <p14:creationId xmlns:p14="http://schemas.microsoft.com/office/powerpoint/2010/main" val="2745715488"/>
+        <p14:creationId xmlns:p14="http://schemas.microsoft.com/office/powerpoint/2010/main" val="3525053781"/>
       </p:ext>
     </p:extLst>
   </p:cSld>
@@ -11600,7 +11945,7 @@
           <a:p>
             <a:r>
               <a:rPr lang="zh-CN" altLang="en-US" dirty="0"/>
-              <a:t>库存调整</a:t>
+              <a:t>“雪崩效应”</a:t>
             </a:r>
           </a:p>
         </p:txBody>
@@ -11615,38 +11960,58 @@
             <p:ph idx="1"/>
           </p:nvPr>
         </p:nvSpPr>
-        <p:spPr/>
+        <p:spPr>
+          <a:xfrm>
+            <a:off x="1593437" y="1600200"/>
+            <a:ext cx="5725112" cy="4572000"/>
+          </a:xfrm>
+        </p:spPr>
         <p:txBody>
           <a:bodyPr/>
           <a:lstStyle/>
           <a:p>
             <a:r>
               <a:rPr lang="zh-CN" altLang="en-US" dirty="0"/>
-              <a:t>已知一库存系统，当前库存量为</a:t>
-            </a:r>
-            <a:r>
-              <a:rPr lang="en-US" altLang="zh-CN" dirty="0"/>
-              <a:t>2000</a:t>
-            </a:r>
+              <a:t>“滚雪球”、“雪崩效应”是正反馈过程的形象比喻，反应一个发展过程愈演愈烈的增长或者衰减</a:t>
+            </a:r>
+            <a:endParaRPr lang="en-US" altLang="zh-CN" dirty="0"/>
+          </a:p>
+          <a:p>
             <a:r>
               <a:rPr lang="zh-CN" altLang="en-US" dirty="0"/>
-              <a:t>件，期望库存量为</a:t>
-            </a:r>
-            <a:r>
-              <a:rPr lang="en-US" altLang="zh-CN" dirty="0"/>
-              <a:t>8000</a:t>
-            </a:r>
-            <a:r>
-              <a:rPr lang="zh-CN" altLang="en-US" dirty="0"/>
-              <a:t>件，每周向供应商订货一次，计划用五周时间调整到期望库存</a:t>
-            </a:r>
-          </a:p>
-        </p:txBody>
-      </p:sp>
+              <a:t>正反馈可以形成良性循环和恶性循环两种循环</a:t>
+            </a:r>
+          </a:p>
+        </p:txBody>
+      </p:sp>
+      <p:pic>
+        <p:nvPicPr>
+          <p:cNvPr id="4" name="图片 3"/>
+          <p:cNvPicPr>
+            <a:picLocks noChangeAspect="1"/>
+          </p:cNvPicPr>
+          <p:nvPr/>
+        </p:nvPicPr>
+        <p:blipFill>
+          <a:blip r:embed="rId2"/>
+          <a:stretch>
+            <a:fillRect/>
+          </a:stretch>
+        </p:blipFill>
+        <p:spPr>
+          <a:xfrm>
+            <a:off x="7102524" y="1399244"/>
+            <a:ext cx="4619161" cy="4019521"/>
+          </a:xfrm>
+          <a:prstGeom prst="rect">
+            <a:avLst/>
+          </a:prstGeom>
+        </p:spPr>
+      </p:pic>
     </p:spTree>
     <p:extLst>
       <p:ext uri="{BB962C8B-B14F-4D97-AF65-F5344CB8AC3E}">
-        <p14:creationId xmlns:p14="http://schemas.microsoft.com/office/powerpoint/2010/main" val="2742774935"/>
+        <p14:creationId xmlns:p14="http://schemas.microsoft.com/office/powerpoint/2010/main" val="1606237277"/>
       </p:ext>
     </p:extLst>
   </p:cSld>
@@ -12275,13 +12640,13 @@
 
 <file path=customXml/item2.xml><?xml version="1.0" encoding="utf-8"?>
 <Control xmlns="http://schemas.microsoft.com/VisualStudio/2011/storyboarding/control">
-  <Id Name="System.Storyboarding.Common.TextInput" Revision="1" Stencil="System.Storyboarding.Common" StencilVersion="0.1"/>
+  <Id Name="System.Storyboarding.Common.DragSelection" Revision="1" Stencil="System.Storyboarding.Common" StencilVersion="0.1"/>
 </Control>
 </file>
 
 <file path=customXml/item3.xml><?xml version="1.0" encoding="utf-8"?>
 <Control xmlns="http://schemas.microsoft.com/VisualStudio/2011/storyboarding/control">
-  <Id Name="System.Storyboarding.WindowsApps.WindowsAppsListBox" Revision="1" Stencil="System.Storyboarding.WindowsApps" StencilVersion="0.1"/>
+  <Id Name="System.Storyboarding.WindowsApps.WindowsAppsProgressRing" Revision="1" Stencil="System.Storyboarding.WindowsApps" StencilVersion="0.1"/>
 </Control>
 </file>
 
@@ -12293,19 +12658,19 @@
 
 <file path=customXml/item5.xml><?xml version="1.0" encoding="utf-8"?>
 <Control xmlns="http://schemas.microsoft.com/VisualStudio/2011/storyboarding/control">
-  <Id Name="System.Storyboarding.WindowsApps.WindowsAppsProgressRing" Revision="1" Stencil="System.Storyboarding.WindowsApps" StencilVersion="0.1"/>
+  <Id Name="System.Storyboarding.WindowsApps.WindowsAppsListBox" Revision="1" Stencil="System.Storyboarding.WindowsApps" StencilVersion="0.1"/>
 </Control>
 </file>
 
 <file path=customXml/item6.xml><?xml version="1.0" encoding="utf-8"?>
 <Control xmlns="http://schemas.microsoft.com/VisualStudio/2011/storyboarding/control">
-  <Id Name="System.Storyboarding.Common.DragSelection" Revision="1" Stencil="System.Storyboarding.Common" StencilVersion="0.1"/>
+  <Id Name="5e505f8e-b0aa-429a-bb4c-92ab0e8a8ee6" RevisionId="d2083f08-ba4f-4330-87aa-e4d23a4443d7" Stencil="172d6d98-e5c9-42e9-a209-79f7a94bbd38" StencilRevisionId="00000000-0000-0000-0000-000000000000" StencilVersion="0.0"/>
 </Control>
 </file>
 
 <file path=customXml/item7.xml><?xml version="1.0" encoding="utf-8"?>
 <Control xmlns="http://schemas.microsoft.com/VisualStudio/2011/storyboarding/control">
-  <Id Name="5e505f8e-b0aa-429a-bb4c-92ab0e8a8ee6" RevisionId="d2083f08-ba4f-4330-87aa-e4d23a4443d7" Stencil="172d6d98-e5c9-42e9-a209-79f7a94bbd38" StencilRevisionId="00000000-0000-0000-0000-000000000000" StencilVersion="0.0"/>
+  <Id Name="System.Storyboarding.Common.TextInput" Revision="1" Stencil="System.Storyboarding.Common" StencilVersion="0.1"/>
 </Control>
 </file>
 
@@ -12320,7 +12685,7 @@
 </file>
 
 <file path=customXml/itemProps2.xml><?xml version="1.0" encoding="utf-8"?>
-<ds:datastoreItem xmlns:ds="http://schemas.openxmlformats.org/officeDocument/2006/customXml" ds:itemID="{195C3A57-25C5-4CAC-A396-8711CE839175}">
+<ds:datastoreItem xmlns:ds="http://schemas.openxmlformats.org/officeDocument/2006/customXml" ds:itemID="{74F50758-6994-47AF-ADB4-84074E43B95D}">
   <ds:schemaRefs>
     <ds:schemaRef ds:uri="http://schemas.microsoft.com/VisualStudio/2011/storyboarding/control"/>
   </ds:schemaRefs>
@@ -12328,7 +12693,7 @@
 </file>
 
 <file path=customXml/itemProps3.xml><?xml version="1.0" encoding="utf-8"?>
-<ds:datastoreItem xmlns:ds="http://schemas.openxmlformats.org/officeDocument/2006/customXml" ds:itemID="{925928FA-66B2-4992-9AF7-6AAB34665E06}">
+<ds:datastoreItem xmlns:ds="http://schemas.openxmlformats.org/officeDocument/2006/customXml" ds:itemID="{EE994FE8-9D1B-4C75-9803-F4D3D8088B5B}">
   <ds:schemaRefs>
     <ds:schemaRef ds:uri="http://schemas.microsoft.com/VisualStudio/2011/storyboarding/control"/>
   </ds:schemaRefs>
@@ -12344,7 +12709,7 @@
 </file>
 
 <file path=customXml/itemProps5.xml><?xml version="1.0" encoding="utf-8"?>
-<ds:datastoreItem xmlns:ds="http://schemas.openxmlformats.org/officeDocument/2006/customXml" ds:itemID="{EE994FE8-9D1B-4C75-9803-F4D3D8088B5B}">
+<ds:datastoreItem xmlns:ds="http://schemas.openxmlformats.org/officeDocument/2006/customXml" ds:itemID="{925928FA-66B2-4992-9AF7-6AAB34665E06}">
   <ds:schemaRefs>
     <ds:schemaRef ds:uri="http://schemas.microsoft.com/VisualStudio/2011/storyboarding/control"/>
   </ds:schemaRefs>
@@ -12352,7 +12717,7 @@
 </file>
 
 <file path=customXml/itemProps6.xml><?xml version="1.0" encoding="utf-8"?>
-<ds:datastoreItem xmlns:ds="http://schemas.openxmlformats.org/officeDocument/2006/customXml" ds:itemID="{74F50758-6994-47AF-ADB4-84074E43B95D}">
+<ds:datastoreItem xmlns:ds="http://schemas.openxmlformats.org/officeDocument/2006/customXml" ds:itemID="{22271091-DDCE-44B5-B608-BB96BCA0C299}">
   <ds:schemaRefs>
     <ds:schemaRef ds:uri="http://schemas.microsoft.com/VisualStudio/2011/storyboarding/control"/>
   </ds:schemaRefs>
@@ -12360,7 +12725,7 @@
 </file>
 
 <file path=customXml/itemProps7.xml><?xml version="1.0" encoding="utf-8"?>
-<ds:datastoreItem xmlns:ds="http://schemas.openxmlformats.org/officeDocument/2006/customXml" ds:itemID="{22271091-DDCE-44B5-B608-BB96BCA0C299}">
+<ds:datastoreItem xmlns:ds="http://schemas.openxmlformats.org/officeDocument/2006/customXml" ds:itemID="{195C3A57-25C5-4CAC-A396-8711CE839175}">
   <ds:schemaRefs>
     <ds:schemaRef ds:uri="http://schemas.microsoft.com/VisualStudio/2011/storyboarding/control"/>
   </ds:schemaRefs>

--- a/2019系统仿真-9-一阶反馈系统.pptx
+++ b/2019系统仿真-9-一阶反馈系统.pptx
@@ -8824,7 +8824,7 @@
             </a:r>
             <a:r>
               <a:rPr lang="en-US" altLang="zh-CN" dirty="0"/>
-              <a:t>3</a:t>
+              <a:t>5</a:t>
             </a:r>
             <a:r>
               <a:rPr lang="zh-CN" altLang="en-US" dirty="0"/>
@@ -12627,6 +12627,18 @@
 </file>
 
 <file path=customXml/item1.xml><?xml version="1.0" encoding="utf-8"?>
+<Control xmlns="http://schemas.microsoft.com/VisualStudio/2011/storyboarding/control">
+  <Id Name="System.Storyboarding.Common.TextInput" Revision="1" Stencil="System.Storyboarding.Common" StencilVersion="0.1"/>
+</Control>
+</file>
+
+<file path=customXml/item2.xml><?xml version="1.0" encoding="utf-8"?>
+<Control xmlns="http://schemas.microsoft.com/VisualStudio/2011/storyboarding/control">
+  <Id Name="System.Storyboarding.Common.DragSelection" Revision="1" Stencil="System.Storyboarding.Common" StencilVersion="0.1"/>
+</Control>
+</file>
+
+<file path=customXml/item3.xml><?xml version="1.0" encoding="utf-8"?>
 <p:properties xmlns:p="http://schemas.microsoft.com/office/2006/metadata/properties" xmlns:xsi="http://www.w3.org/2001/XMLSchema-instance" xmlns:pc="http://schemas.microsoft.com/office/infopath/2007/PartnerControls">
   <documentManagement>
     <_dlc_DocId xmlns="b4ebf394-daf6-497a-96c5-a2f8c10b38cf">TT6HZDVJM2HV-178-321</_dlc_DocId>
@@ -12638,21 +12650,9 @@
 </p:properties>
 </file>
 
-<file path=customXml/item2.xml><?xml version="1.0" encoding="utf-8"?>
-<Control xmlns="http://schemas.microsoft.com/VisualStudio/2011/storyboarding/control">
-  <Id Name="System.Storyboarding.Common.DragSelection" Revision="1" Stencil="System.Storyboarding.Common" StencilVersion="0.1"/>
-</Control>
-</file>
-
-<file path=customXml/item3.xml><?xml version="1.0" encoding="utf-8"?>
-<Control xmlns="http://schemas.microsoft.com/VisualStudio/2011/storyboarding/control">
-  <Id Name="System.Storyboarding.WindowsApps.WindowsAppsProgressRing" Revision="1" Stencil="System.Storyboarding.WindowsApps" StencilVersion="0.1"/>
-</Control>
-</file>
-
 <file path=customXml/item4.xml><?xml version="1.0" encoding="utf-8"?>
 <Control xmlns="http://schemas.microsoft.com/VisualStudio/2011/storyboarding/control">
-  <Id Name="System.Storyboarding.Annotation.StickyNote" Revision="1" Stencil="System.Storyboarding.Annotation" StencilVersion="0.1"/>
+  <Id Name="5e505f8e-b0aa-429a-bb4c-92ab0e8a8ee6" RevisionId="d2083f08-ba4f-4330-87aa-e4d23a4443d7" Stencil="172d6d98-e5c9-42e9-a209-79f7a94bbd38" StencilRevisionId="00000000-0000-0000-0000-000000000000" StencilVersion="0.0"/>
 </Control>
 </file>
 
@@ -12664,22 +12664,20 @@
 
 <file path=customXml/item6.xml><?xml version="1.0" encoding="utf-8"?>
 <Control xmlns="http://schemas.microsoft.com/VisualStudio/2011/storyboarding/control">
-  <Id Name="5e505f8e-b0aa-429a-bb4c-92ab0e8a8ee6" RevisionId="d2083f08-ba4f-4330-87aa-e4d23a4443d7" Stencil="172d6d98-e5c9-42e9-a209-79f7a94bbd38" StencilRevisionId="00000000-0000-0000-0000-000000000000" StencilVersion="0.0"/>
+  <Id Name="System.Storyboarding.Annotation.StickyNote" Revision="1" Stencil="System.Storyboarding.Annotation" StencilVersion="0.1"/>
 </Control>
 </file>
 
 <file path=customXml/item7.xml><?xml version="1.0" encoding="utf-8"?>
 <Control xmlns="http://schemas.microsoft.com/VisualStudio/2011/storyboarding/control">
-  <Id Name="System.Storyboarding.Common.TextInput" Revision="1" Stencil="System.Storyboarding.Common" StencilVersion="0.1"/>
+  <Id Name="System.Storyboarding.WindowsApps.WindowsAppsProgressRing" Revision="1" Stencil="System.Storyboarding.WindowsApps" StencilVersion="0.1"/>
 </Control>
 </file>
 
 <file path=customXml/itemProps1.xml><?xml version="1.0" encoding="utf-8"?>
-<ds:datastoreItem xmlns:ds="http://schemas.openxmlformats.org/officeDocument/2006/customXml" ds:itemID="{1322E1B6-B69B-4B1E-9F64-FFB1E4A65691}">
+<ds:datastoreItem xmlns:ds="http://schemas.openxmlformats.org/officeDocument/2006/customXml" ds:itemID="{195C3A57-25C5-4CAC-A396-8711CE839175}">
   <ds:schemaRefs>
-    <ds:schemaRef ds:uri="http://schemas.microsoft.com/office/2006/metadata/properties"/>
-    <ds:schemaRef ds:uri="http://schemas.microsoft.com/office/infopath/2007/PartnerControls"/>
-    <ds:schemaRef ds:uri="b4ebf394-daf6-497a-96c5-a2f8c10b38cf"/>
+    <ds:schemaRef ds:uri="http://schemas.microsoft.com/VisualStudio/2011/storyboarding/control"/>
   </ds:schemaRefs>
 </ds:datastoreItem>
 </file>
@@ -12693,15 +12691,17 @@
 </file>
 
 <file path=customXml/itemProps3.xml><?xml version="1.0" encoding="utf-8"?>
-<ds:datastoreItem xmlns:ds="http://schemas.openxmlformats.org/officeDocument/2006/customXml" ds:itemID="{EE994FE8-9D1B-4C75-9803-F4D3D8088B5B}">
+<ds:datastoreItem xmlns:ds="http://schemas.openxmlformats.org/officeDocument/2006/customXml" ds:itemID="{1322E1B6-B69B-4B1E-9F64-FFB1E4A65691}">
   <ds:schemaRefs>
-    <ds:schemaRef ds:uri="http://schemas.microsoft.com/VisualStudio/2011/storyboarding/control"/>
+    <ds:schemaRef ds:uri="http://schemas.microsoft.com/office/2006/metadata/properties"/>
+    <ds:schemaRef ds:uri="http://schemas.microsoft.com/office/infopath/2007/PartnerControls"/>
+    <ds:schemaRef ds:uri="b4ebf394-daf6-497a-96c5-a2f8c10b38cf"/>
   </ds:schemaRefs>
 </ds:datastoreItem>
 </file>
 
 <file path=customXml/itemProps4.xml><?xml version="1.0" encoding="utf-8"?>
-<ds:datastoreItem xmlns:ds="http://schemas.openxmlformats.org/officeDocument/2006/customXml" ds:itemID="{35CD12A2-2187-402A-B9D9-EF68624DB0B9}">
+<ds:datastoreItem xmlns:ds="http://schemas.openxmlformats.org/officeDocument/2006/customXml" ds:itemID="{22271091-DDCE-44B5-B608-BB96BCA0C299}">
   <ds:schemaRefs>
     <ds:schemaRef ds:uri="http://schemas.microsoft.com/VisualStudio/2011/storyboarding/control"/>
   </ds:schemaRefs>
@@ -12717,7 +12717,7 @@
 </file>
 
 <file path=customXml/itemProps6.xml><?xml version="1.0" encoding="utf-8"?>
-<ds:datastoreItem xmlns:ds="http://schemas.openxmlformats.org/officeDocument/2006/customXml" ds:itemID="{22271091-DDCE-44B5-B608-BB96BCA0C299}">
+<ds:datastoreItem xmlns:ds="http://schemas.openxmlformats.org/officeDocument/2006/customXml" ds:itemID="{35CD12A2-2187-402A-B9D9-EF68624DB0B9}">
   <ds:schemaRefs>
     <ds:schemaRef ds:uri="http://schemas.microsoft.com/VisualStudio/2011/storyboarding/control"/>
   </ds:schemaRefs>
@@ -12725,7 +12725,7 @@
 </file>
 
 <file path=customXml/itemProps7.xml><?xml version="1.0" encoding="utf-8"?>
-<ds:datastoreItem xmlns:ds="http://schemas.openxmlformats.org/officeDocument/2006/customXml" ds:itemID="{195C3A57-25C5-4CAC-A396-8711CE839175}">
+<ds:datastoreItem xmlns:ds="http://schemas.openxmlformats.org/officeDocument/2006/customXml" ds:itemID="{EE994FE8-9D1B-4C75-9803-F4D3D8088B5B}">
   <ds:schemaRefs>
     <ds:schemaRef ds:uri="http://schemas.microsoft.com/VisualStudio/2011/storyboarding/control"/>
   </ds:schemaRefs>

--- a/2019系统仿真-9-一阶反馈系统.pptx
+++ b/2019系统仿真-9-一阶反馈系统.pptx
@@ -260,7 +260,7 @@
                 <a:latin typeface="微软雅黑" panose="020B0503020204020204" pitchFamily="34" charset="-122"/>
                 <a:ea typeface="微软雅黑" panose="020B0503020204020204" pitchFamily="34" charset="-122"/>
               </a:rPr>
-              <a:t>2019年4月12日 Friday</a:t>
+              <a:t>2019年4月14日 Sunday</a:t>
             </a:fld>
             <a:endParaRPr lang="zh-CN" altLang="en-US" dirty="0">
               <a:latin typeface="微软雅黑" panose="020B0503020204020204" pitchFamily="34" charset="-122"/>
@@ -452,7 +452,7 @@
             <a:fld id="{07D6BDDC-F39A-4E16-93D6-E40B88AA6D58}" type="datetime2">
               <a:rPr lang="zh-CN" altLang="en-US" smtClean="0"/>
               <a:pPr/>
-              <a:t>2019年4月12日 Friday</a:t>
+              <a:t>2019年4月14日 Sunday</a:t>
             </a:fld>
             <a:endParaRPr lang="zh-CN" altLang="en-US" dirty="0"/>
           </a:p>
@@ -1770,7 +1770,7 @@
             <a:fld id="{4947C3F0-2957-4D41-9FB7-182757A04D67}" type="datetime2">
               <a:rPr lang="zh-CN" altLang="en-US" smtClean="0"/>
               <a:pPr/>
-              <a:t>2019年4月12日 Friday</a:t>
+              <a:t>2019年4月14日 Sunday</a:t>
             </a:fld>
             <a:endParaRPr lang="zh-CN" altLang="en-US" dirty="0"/>
           </a:p>
@@ -2003,7 +2003,7 @@
             <a:fld id="{8DF8E148-EC1F-43A2-8C9E-1F57F6D08A76}" type="datetime2">
               <a:rPr lang="zh-CN" altLang="en-US" smtClean="0"/>
               <a:pPr/>
-              <a:t>2019年4月12日 Friday</a:t>
+              <a:t>2019年4月14日 Sunday</a:t>
             </a:fld>
             <a:endParaRPr lang="zh-CN" altLang="en-US" dirty="0"/>
           </a:p>
@@ -2886,7 +2886,7 @@
             <a:fld id="{FB7B4C11-1E14-4887-9E78-A9346EC068F1}" type="datetime2">
               <a:rPr lang="zh-CN" altLang="en-US" smtClean="0"/>
               <a:pPr/>
-              <a:t>2019年4月12日 Friday</a:t>
+              <a:t>2019年4月14日 Sunday</a:t>
             </a:fld>
             <a:endParaRPr lang="zh-CN" altLang="en-US" dirty="0"/>
           </a:p>
@@ -3145,7 +3145,7 @@
             <a:fld id="{86FD5D46-E987-42B2-B42C-B8920598FADE}" type="datetime2">
               <a:rPr lang="zh-CN" altLang="en-US" smtClean="0"/>
               <a:pPr/>
-              <a:t>2019年4月12日 Friday</a:t>
+              <a:t>2019年4月14日 Sunday</a:t>
             </a:fld>
             <a:endParaRPr lang="zh-CN" altLang="en-US" dirty="0"/>
           </a:p>
@@ -4472,7 +4472,7 @@
             <a:fld id="{8365F240-A7EF-41C8-A85B-C448CF84B5E5}" type="datetime2">
               <a:rPr lang="zh-CN" altLang="en-US" smtClean="0"/>
               <a:pPr/>
-              <a:t>2019年4月12日 Friday</a:t>
+              <a:t>2019年4月14日 Sunday</a:t>
             </a:fld>
             <a:endParaRPr lang="zh-CN" altLang="en-US" dirty="0"/>
           </a:p>
@@ -4807,7 +4807,7 @@
             <a:fld id="{F770B30E-8728-44DB-AEE3-E4A75AEDBBD9}" type="datetime2">
               <a:rPr lang="zh-CN" altLang="en-US" smtClean="0"/>
               <a:pPr/>
-              <a:t>2019年4月12日 Friday</a:t>
+              <a:t>2019年4月14日 Sunday</a:t>
             </a:fld>
             <a:endParaRPr lang="zh-CN" altLang="en-US" dirty="0"/>
           </a:p>
@@ -5308,7 +5308,7 @@
             <a:fld id="{680BCF82-A51A-4389-A573-378AD02C5141}" type="datetime2">
               <a:rPr lang="zh-CN" altLang="en-US" smtClean="0"/>
               <a:pPr/>
-              <a:t>2019年4月12日 Friday</a:t>
+              <a:t>2019年4月14日 Sunday</a:t>
             </a:fld>
             <a:endParaRPr lang="zh-CN" altLang="en-US" dirty="0"/>
           </a:p>
@@ -5463,7 +5463,7 @@
             <a:fld id="{CE03A716-E3DC-4D9D-823C-60FCD8C9B163}" type="datetime2">
               <a:rPr lang="zh-CN" altLang="en-US" smtClean="0"/>
               <a:pPr/>
-              <a:t>2019年4月12日 Friday</a:t>
+              <a:t>2019年4月14日 Sunday</a:t>
             </a:fld>
             <a:endParaRPr lang="zh-CN" altLang="en-US" dirty="0"/>
           </a:p>
@@ -5823,7 +5823,7 @@
             <a:fld id="{C16B8A94-44E5-4844-A22C-F796FCAA90D9}" type="datetime2">
               <a:rPr lang="zh-CN" altLang="en-US" smtClean="0"/>
               <a:pPr/>
-              <a:t>2019年4月12日 Friday</a:t>
+              <a:t>2019年4月14日 Sunday</a:t>
             </a:fld>
             <a:endParaRPr lang="zh-CN" altLang="en-US" dirty="0"/>
           </a:p>
@@ -6365,7 +6365,7 @@
             <a:fld id="{F288B2AC-AC0A-4E49-82A3-94EE74FA7FBF}" type="datetime2">
               <a:rPr lang="zh-CN" altLang="en-US" smtClean="0"/>
               <a:pPr/>
-              <a:t>2019年4月12日 Friday</a:t>
+              <a:t>2019年4月14日 Sunday</a:t>
             </a:fld>
             <a:endParaRPr lang="zh-CN" altLang="en-US" dirty="0"/>
           </a:p>
@@ -6851,7 +6851,7 @@
             <a:fld id="{1878E339-1BD2-4FEE-A113-9A0301740CF6}" type="datetime2">
               <a:rPr lang="zh-CN" altLang="en-US" smtClean="0"/>
               <a:pPr/>
-              <a:t>2019年4月12日 Friday</a:t>
+              <a:t>2019年4月14日 Sunday</a:t>
             </a:fld>
             <a:endParaRPr lang="zh-CN" altLang="en-US" dirty="0"/>
           </a:p>
@@ -7775,7 +7775,7 @@
             <a:fld id="{A339CB27-C670-4AAB-948C-7E3D1D9FAE30}" type="datetime2">
               <a:rPr lang="zh-CN" altLang="en-US" smtClean="0"/>
               <a:pPr/>
-              <a:t>2019年4月12日 Friday</a:t>
+              <a:t>2019年4月14日 Sunday</a:t>
             </a:fld>
             <a:endParaRPr lang="zh-CN" altLang="en-US" dirty="0"/>
           </a:p>
@@ -9318,7 +9318,12 @@
             <p:ph idx="1"/>
           </p:nvPr>
         </p:nvSpPr>
-        <p:spPr/>
+        <p:spPr>
+          <a:xfrm>
+            <a:off x="1341884" y="1600200"/>
+            <a:ext cx="10034353" cy="4572000"/>
+          </a:xfrm>
+        </p:spPr>
         <p:txBody>
           <a:bodyPr/>
           <a:lstStyle/>
@@ -9760,13 +9765,8 @@
           <a:p>
             <a:r>
               <a:rPr lang="zh-CN" altLang="en-US" dirty="0"/>
-              <a:t>如果系统能迅速满足</a:t>
-            </a:r>
-            <a:r>
-              <a:rPr lang="zh-CN" altLang="en-US"/>
-              <a:t>矫正，则调整时间较小；反之，较大</a:t>
-            </a:r>
-            <a:endParaRPr lang="zh-CN" altLang="en-US" dirty="0"/>
+              <a:t>如果系统能迅速满足矫正，则调整时间较小；反之，较大</a:t>
+            </a:r>
           </a:p>
         </p:txBody>
       </p:sp>
@@ -12628,7 +12628,7 @@
 
 <file path=customXml/item1.xml><?xml version="1.0" encoding="utf-8"?>
 <Control xmlns="http://schemas.microsoft.com/VisualStudio/2011/storyboarding/control">
-  <Id Name="System.Storyboarding.Common.TextInput" Revision="1" Stencil="System.Storyboarding.Common" StencilVersion="0.1"/>
+  <Id Name="System.Storyboarding.WindowsApps.WindowsAppsProgressRing" Revision="1" Stencil="System.Storyboarding.WindowsApps" StencilVersion="0.1"/>
 </Control>
 </file>
 
@@ -12639,6 +12639,30 @@
 </file>
 
 <file path=customXml/item3.xml><?xml version="1.0" encoding="utf-8"?>
+<Control xmlns="http://schemas.microsoft.com/VisualStudio/2011/storyboarding/control">
+  <Id Name="System.Storyboarding.Common.TextInput" Revision="1" Stencil="System.Storyboarding.Common" StencilVersion="0.1"/>
+</Control>
+</file>
+
+<file path=customXml/item4.xml><?xml version="1.0" encoding="utf-8"?>
+<Control xmlns="http://schemas.microsoft.com/VisualStudio/2011/storyboarding/control">
+  <Id Name="System.Storyboarding.Annotation.StickyNote" Revision="1" Stencil="System.Storyboarding.Annotation" StencilVersion="0.1"/>
+</Control>
+</file>
+
+<file path=customXml/item5.xml><?xml version="1.0" encoding="utf-8"?>
+<Control xmlns="http://schemas.microsoft.com/VisualStudio/2011/storyboarding/control">
+  <Id Name="System.Storyboarding.WindowsApps.WindowsAppsListBox" Revision="1" Stencil="System.Storyboarding.WindowsApps" StencilVersion="0.1"/>
+</Control>
+</file>
+
+<file path=customXml/item6.xml><?xml version="1.0" encoding="utf-8"?>
+<Control xmlns="http://schemas.microsoft.com/VisualStudio/2011/storyboarding/control">
+  <Id Name="5e505f8e-b0aa-429a-bb4c-92ab0e8a8ee6" RevisionId="d2083f08-ba4f-4330-87aa-e4d23a4443d7" Stencil="172d6d98-e5c9-42e9-a209-79f7a94bbd38" StencilRevisionId="00000000-0000-0000-0000-000000000000" StencilVersion="0.0"/>
+</Control>
+</file>
+
+<file path=customXml/item7.xml><?xml version="1.0" encoding="utf-8"?>
 <p:properties xmlns:p="http://schemas.microsoft.com/office/2006/metadata/properties" xmlns:xsi="http://www.w3.org/2001/XMLSchema-instance" xmlns:pc="http://schemas.microsoft.com/office/infopath/2007/PartnerControls">
   <documentManagement>
     <_dlc_DocId xmlns="b4ebf394-daf6-497a-96c5-a2f8c10b38cf">TT6HZDVJM2HV-178-321</_dlc_DocId>
@@ -12650,32 +12674,8 @@
 </p:properties>
 </file>
 
-<file path=customXml/item4.xml><?xml version="1.0" encoding="utf-8"?>
-<Control xmlns="http://schemas.microsoft.com/VisualStudio/2011/storyboarding/control">
-  <Id Name="5e505f8e-b0aa-429a-bb4c-92ab0e8a8ee6" RevisionId="d2083f08-ba4f-4330-87aa-e4d23a4443d7" Stencil="172d6d98-e5c9-42e9-a209-79f7a94bbd38" StencilRevisionId="00000000-0000-0000-0000-000000000000" StencilVersion="0.0"/>
-</Control>
-</file>
-
-<file path=customXml/item5.xml><?xml version="1.0" encoding="utf-8"?>
-<Control xmlns="http://schemas.microsoft.com/VisualStudio/2011/storyboarding/control">
-  <Id Name="System.Storyboarding.WindowsApps.WindowsAppsListBox" Revision="1" Stencil="System.Storyboarding.WindowsApps" StencilVersion="0.1"/>
-</Control>
-</file>
-
-<file path=customXml/item6.xml><?xml version="1.0" encoding="utf-8"?>
-<Control xmlns="http://schemas.microsoft.com/VisualStudio/2011/storyboarding/control">
-  <Id Name="System.Storyboarding.Annotation.StickyNote" Revision="1" Stencil="System.Storyboarding.Annotation" StencilVersion="0.1"/>
-</Control>
-</file>
-
-<file path=customXml/item7.xml><?xml version="1.0" encoding="utf-8"?>
-<Control xmlns="http://schemas.microsoft.com/VisualStudio/2011/storyboarding/control">
-  <Id Name="System.Storyboarding.WindowsApps.WindowsAppsProgressRing" Revision="1" Stencil="System.Storyboarding.WindowsApps" StencilVersion="0.1"/>
-</Control>
-</file>
-
 <file path=customXml/itemProps1.xml><?xml version="1.0" encoding="utf-8"?>
-<ds:datastoreItem xmlns:ds="http://schemas.openxmlformats.org/officeDocument/2006/customXml" ds:itemID="{195C3A57-25C5-4CAC-A396-8711CE839175}">
+<ds:datastoreItem xmlns:ds="http://schemas.openxmlformats.org/officeDocument/2006/customXml" ds:itemID="{EE994FE8-9D1B-4C75-9803-F4D3D8088B5B}">
   <ds:schemaRefs>
     <ds:schemaRef ds:uri="http://schemas.microsoft.com/VisualStudio/2011/storyboarding/control"/>
   </ds:schemaRefs>
@@ -12691,17 +12691,15 @@
 </file>
 
 <file path=customXml/itemProps3.xml><?xml version="1.0" encoding="utf-8"?>
-<ds:datastoreItem xmlns:ds="http://schemas.openxmlformats.org/officeDocument/2006/customXml" ds:itemID="{1322E1B6-B69B-4B1E-9F64-FFB1E4A65691}">
+<ds:datastoreItem xmlns:ds="http://schemas.openxmlformats.org/officeDocument/2006/customXml" ds:itemID="{195C3A57-25C5-4CAC-A396-8711CE839175}">
   <ds:schemaRefs>
-    <ds:schemaRef ds:uri="http://schemas.microsoft.com/office/2006/metadata/properties"/>
-    <ds:schemaRef ds:uri="http://schemas.microsoft.com/office/infopath/2007/PartnerControls"/>
-    <ds:schemaRef ds:uri="b4ebf394-daf6-497a-96c5-a2f8c10b38cf"/>
+    <ds:schemaRef ds:uri="http://schemas.microsoft.com/VisualStudio/2011/storyboarding/control"/>
   </ds:schemaRefs>
 </ds:datastoreItem>
 </file>
 
 <file path=customXml/itemProps4.xml><?xml version="1.0" encoding="utf-8"?>
-<ds:datastoreItem xmlns:ds="http://schemas.openxmlformats.org/officeDocument/2006/customXml" ds:itemID="{22271091-DDCE-44B5-B608-BB96BCA0C299}">
+<ds:datastoreItem xmlns:ds="http://schemas.openxmlformats.org/officeDocument/2006/customXml" ds:itemID="{35CD12A2-2187-402A-B9D9-EF68624DB0B9}">
   <ds:schemaRefs>
     <ds:schemaRef ds:uri="http://schemas.microsoft.com/VisualStudio/2011/storyboarding/control"/>
   </ds:schemaRefs>
@@ -12717,7 +12715,7 @@
 </file>
 
 <file path=customXml/itemProps6.xml><?xml version="1.0" encoding="utf-8"?>
-<ds:datastoreItem xmlns:ds="http://schemas.openxmlformats.org/officeDocument/2006/customXml" ds:itemID="{35CD12A2-2187-402A-B9D9-EF68624DB0B9}">
+<ds:datastoreItem xmlns:ds="http://schemas.openxmlformats.org/officeDocument/2006/customXml" ds:itemID="{22271091-DDCE-44B5-B608-BB96BCA0C299}">
   <ds:schemaRefs>
     <ds:schemaRef ds:uri="http://schemas.microsoft.com/VisualStudio/2011/storyboarding/control"/>
   </ds:schemaRefs>
@@ -12725,9 +12723,11 @@
 </file>
 
 <file path=customXml/itemProps7.xml><?xml version="1.0" encoding="utf-8"?>
-<ds:datastoreItem xmlns:ds="http://schemas.openxmlformats.org/officeDocument/2006/customXml" ds:itemID="{EE994FE8-9D1B-4C75-9803-F4D3D8088B5B}">
+<ds:datastoreItem xmlns:ds="http://schemas.openxmlformats.org/officeDocument/2006/customXml" ds:itemID="{1322E1B6-B69B-4B1E-9F64-FFB1E4A65691}">
   <ds:schemaRefs>
-    <ds:schemaRef ds:uri="http://schemas.microsoft.com/VisualStudio/2011/storyboarding/control"/>
+    <ds:schemaRef ds:uri="http://schemas.microsoft.com/office/2006/metadata/properties"/>
+    <ds:schemaRef ds:uri="http://schemas.microsoft.com/office/infopath/2007/PartnerControls"/>
+    <ds:schemaRef ds:uri="b4ebf394-daf6-497a-96c5-a2f8c10b38cf"/>
   </ds:schemaRefs>
 </ds:datastoreItem>
 </file>